--- a/Documentation/METHODOLOGIE DE TESTS & TESTS UNITAIRES.pptx
+++ b/Documentation/METHODOLOGIE DE TESTS & TESTS UNITAIRES.pptx
@@ -5,7 +5,7 @@
     <p:sldMasterId id="2147483648" r:id="rId1"/>
   </p:sldMasterIdLst>
   <p:notesMasterIdLst>
-    <p:notesMasterId r:id="rId52"/>
+    <p:notesMasterId r:id="rId56"/>
   </p:notesMasterIdLst>
   <p:sldIdLst>
     <p:sldId id="256" r:id="rId2"/>
@@ -58,6 +58,10 @@
     <p:sldId id="317" r:id="rId49"/>
     <p:sldId id="318" r:id="rId50"/>
     <p:sldId id="320" r:id="rId51"/>
+    <p:sldId id="322" r:id="rId52"/>
+    <p:sldId id="323" r:id="rId53"/>
+    <p:sldId id="324" r:id="rId54"/>
+    <p:sldId id="321" r:id="rId55"/>
   </p:sldIdLst>
   <p:sldSz cx="12192000" cy="6858000"/>
   <p:notesSz cx="6858000" cy="9144000"/>
@@ -211,6 +215,10 @@
             <p14:sldId id="317"/>
             <p14:sldId id="318"/>
             <p14:sldId id="320"/>
+            <p14:sldId id="322"/>
+            <p14:sldId id="323"/>
+            <p14:sldId id="324"/>
+            <p14:sldId id="321"/>
           </p14:sldIdLst>
         </p14:section>
       </p14:sectionLst>
@@ -1583,6 +1591,1336 @@
       <dsp:cNvGrpSpPr/>
     </dsp:nvGrpSpPr>
     <dsp:grpSpPr/>
+    <dsp:sp modelId="{8229C136-F100-4D41-81CD-AECE3329F0F2}">
+      <dsp:nvSpPr>
+        <dsp:cNvPr id="0" name=""/>
+        <dsp:cNvSpPr/>
+      </dsp:nvSpPr>
+      <dsp:spPr>
+        <a:xfrm>
+          <a:off x="3594" y="678285"/>
+          <a:ext cx="1946002" cy="2724403"/>
+        </a:xfrm>
+        <a:prstGeom prst="rect">
+          <a:avLst/>
+        </a:prstGeom>
+        <a:solidFill>
+          <a:schemeClr val="dk2">
+            <a:alpha val="90000"/>
+            <a:tint val="40000"/>
+            <a:hueOff val="0"/>
+            <a:satOff val="0"/>
+            <a:lumOff val="0"/>
+            <a:alphaOff val="0"/>
+          </a:schemeClr>
+        </a:solidFill>
+        <a:ln w="6350" cap="flat" cmpd="sng" algn="ctr">
+          <a:solidFill>
+            <a:schemeClr val="dk2">
+              <a:alpha val="90000"/>
+              <a:tint val="40000"/>
+              <a:hueOff val="0"/>
+              <a:satOff val="0"/>
+              <a:lumOff val="0"/>
+              <a:alphaOff val="0"/>
+            </a:schemeClr>
+          </a:solidFill>
+          <a:prstDash val="solid"/>
+          <a:miter lim="800000"/>
+        </a:ln>
+        <a:effectLst/>
+      </dsp:spPr>
+      <dsp:style>
+        <a:lnRef idx="1">
+          <a:scrgbClr r="0" g="0" b="0"/>
+        </a:lnRef>
+        <a:fillRef idx="1">
+          <a:scrgbClr r="0" g="0" b="0"/>
+        </a:fillRef>
+        <a:effectRef idx="0">
+          <a:scrgbClr r="0" g="0" b="0"/>
+        </a:effectRef>
+        <a:fontRef idx="minor"/>
+      </dsp:style>
+      <dsp:txBody>
+        <a:bodyPr spcFirstLastPara="0" vert="horz" wrap="square" lIns="151718" tIns="330200" rIns="151718" bIns="330200" numCol="1" spcCol="1270" anchor="t" anchorCtr="0">
+          <a:noAutofit/>
+        </a:bodyPr>
+        <a:lstStyle/>
+        <a:p>
+          <a:pPr lvl="0" algn="l" defTabSz="844550">
+            <a:lnSpc>
+              <a:spcPct val="90000"/>
+            </a:lnSpc>
+            <a:spcBef>
+              <a:spcPct val="0"/>
+            </a:spcBef>
+            <a:spcAft>
+              <a:spcPct val="35000"/>
+            </a:spcAft>
+          </a:pPr>
+          <a:r>
+            <a:rPr lang="fr-FR" sz="1900" kern="1200"/>
+            <a:t>Développement</a:t>
+          </a:r>
+        </a:p>
+      </dsp:txBody>
+      <dsp:txXfrm>
+        <a:off x="3594" y="1713558"/>
+        <a:ext cx="1946002" cy="1634641"/>
+      </dsp:txXfrm>
+    </dsp:sp>
+    <dsp:sp modelId="{32C9E34A-C6CB-405C-8ED6-6965F96B49BD}">
+      <dsp:nvSpPr>
+        <dsp:cNvPr id="0" name=""/>
+        <dsp:cNvSpPr/>
+      </dsp:nvSpPr>
+      <dsp:spPr>
+        <a:xfrm>
+          <a:off x="567934" y="950725"/>
+          <a:ext cx="817320" cy="817320"/>
+        </a:xfrm>
+        <a:prstGeom prst="ellipse">
+          <a:avLst/>
+        </a:prstGeom>
+        <a:gradFill rotWithShape="0">
+          <a:gsLst>
+            <a:gs pos="0">
+              <a:schemeClr val="dk2">
+                <a:hueOff val="0"/>
+                <a:satOff val="0"/>
+                <a:lumOff val="0"/>
+                <a:alphaOff val="0"/>
+                <a:satMod val="103000"/>
+                <a:lumMod val="102000"/>
+                <a:tint val="94000"/>
+              </a:schemeClr>
+            </a:gs>
+            <a:gs pos="50000">
+              <a:schemeClr val="dk2">
+                <a:hueOff val="0"/>
+                <a:satOff val="0"/>
+                <a:lumOff val="0"/>
+                <a:alphaOff val="0"/>
+                <a:satMod val="110000"/>
+                <a:lumMod val="100000"/>
+                <a:shade val="100000"/>
+              </a:schemeClr>
+            </a:gs>
+            <a:gs pos="100000">
+              <a:schemeClr val="dk2">
+                <a:hueOff val="0"/>
+                <a:satOff val="0"/>
+                <a:lumOff val="0"/>
+                <a:alphaOff val="0"/>
+                <a:lumMod val="99000"/>
+                <a:satMod val="120000"/>
+                <a:shade val="78000"/>
+              </a:schemeClr>
+            </a:gs>
+          </a:gsLst>
+          <a:lin ang="5400000" scaled="0"/>
+        </a:gradFill>
+        <a:ln w="6350" cap="flat" cmpd="sng" algn="ctr">
+          <a:solidFill>
+            <a:schemeClr val="dk2">
+              <a:hueOff val="0"/>
+              <a:satOff val="0"/>
+              <a:lumOff val="0"/>
+              <a:alphaOff val="0"/>
+            </a:schemeClr>
+          </a:solidFill>
+          <a:prstDash val="solid"/>
+          <a:miter lim="800000"/>
+        </a:ln>
+        <a:effectLst/>
+      </dsp:spPr>
+      <dsp:style>
+        <a:lnRef idx="1">
+          <a:scrgbClr r="0" g="0" b="0"/>
+        </a:lnRef>
+        <a:fillRef idx="3">
+          <a:scrgbClr r="0" g="0" b="0"/>
+        </a:fillRef>
+        <a:effectRef idx="2">
+          <a:scrgbClr r="0" g="0" b="0"/>
+        </a:effectRef>
+        <a:fontRef idx="minor">
+          <a:schemeClr val="lt1"/>
+        </a:fontRef>
+      </dsp:style>
+      <dsp:txBody>
+        <a:bodyPr spcFirstLastPara="0" vert="horz" wrap="square" lIns="63722" tIns="12700" rIns="63722" bIns="12700" numCol="1" spcCol="1270" anchor="ctr" anchorCtr="0">
+          <a:noAutofit/>
+        </a:bodyPr>
+        <a:lstStyle/>
+        <a:p>
+          <a:pPr lvl="0" algn="ctr" defTabSz="1733550">
+            <a:lnSpc>
+              <a:spcPct val="90000"/>
+            </a:lnSpc>
+            <a:spcBef>
+              <a:spcPct val="0"/>
+            </a:spcBef>
+            <a:spcAft>
+              <a:spcPct val="35000"/>
+            </a:spcAft>
+          </a:pPr>
+          <a:r>
+            <a:rPr lang="fr-FR" sz="3900" kern="1200"/>
+            <a:t>1</a:t>
+          </a:r>
+        </a:p>
+      </dsp:txBody>
+      <dsp:txXfrm>
+        <a:off x="687628" y="1070419"/>
+        <a:ext cx="577932" cy="577932"/>
+      </dsp:txXfrm>
+    </dsp:sp>
+    <dsp:sp modelId="{8FEDDFB6-B977-483E-BBB1-47E4E253D006}">
+      <dsp:nvSpPr>
+        <dsp:cNvPr id="0" name=""/>
+        <dsp:cNvSpPr/>
+      </dsp:nvSpPr>
+      <dsp:spPr>
+        <a:xfrm>
+          <a:off x="3594" y="3402616"/>
+          <a:ext cx="1946002" cy="72"/>
+        </a:xfrm>
+        <a:prstGeom prst="rect">
+          <a:avLst/>
+        </a:prstGeom>
+        <a:gradFill rotWithShape="0">
+          <a:gsLst>
+            <a:gs pos="0">
+              <a:schemeClr val="dk2">
+                <a:hueOff val="0"/>
+                <a:satOff val="0"/>
+                <a:lumOff val="0"/>
+                <a:alphaOff val="0"/>
+                <a:satMod val="103000"/>
+                <a:lumMod val="102000"/>
+                <a:tint val="94000"/>
+              </a:schemeClr>
+            </a:gs>
+            <a:gs pos="50000">
+              <a:schemeClr val="dk2">
+                <a:hueOff val="0"/>
+                <a:satOff val="0"/>
+                <a:lumOff val="0"/>
+                <a:alphaOff val="0"/>
+                <a:satMod val="110000"/>
+                <a:lumMod val="100000"/>
+                <a:shade val="100000"/>
+              </a:schemeClr>
+            </a:gs>
+            <a:gs pos="100000">
+              <a:schemeClr val="dk2">
+                <a:hueOff val="0"/>
+                <a:satOff val="0"/>
+                <a:lumOff val="0"/>
+                <a:alphaOff val="0"/>
+                <a:lumMod val="99000"/>
+                <a:satMod val="120000"/>
+                <a:shade val="78000"/>
+              </a:schemeClr>
+            </a:gs>
+          </a:gsLst>
+          <a:lin ang="5400000" scaled="0"/>
+        </a:gradFill>
+        <a:ln w="6350" cap="flat" cmpd="sng" algn="ctr">
+          <a:solidFill>
+            <a:schemeClr val="dk2">
+              <a:hueOff val="0"/>
+              <a:satOff val="0"/>
+              <a:lumOff val="0"/>
+              <a:alphaOff val="0"/>
+            </a:schemeClr>
+          </a:solidFill>
+          <a:prstDash val="solid"/>
+          <a:miter lim="800000"/>
+        </a:ln>
+        <a:effectLst/>
+      </dsp:spPr>
+      <dsp:style>
+        <a:lnRef idx="1">
+          <a:scrgbClr r="0" g="0" b="0"/>
+        </a:lnRef>
+        <a:fillRef idx="3">
+          <a:scrgbClr r="0" g="0" b="0"/>
+        </a:fillRef>
+        <a:effectRef idx="2">
+          <a:scrgbClr r="0" g="0" b="0"/>
+        </a:effectRef>
+        <a:fontRef idx="minor">
+          <a:schemeClr val="lt1"/>
+        </a:fontRef>
+      </dsp:style>
+    </dsp:sp>
+    <dsp:sp modelId="{57E99CF9-83BB-4296-A6A5-E8330CA257EC}">
+      <dsp:nvSpPr>
+        <dsp:cNvPr id="0" name=""/>
+        <dsp:cNvSpPr/>
+      </dsp:nvSpPr>
+      <dsp:spPr>
+        <a:xfrm>
+          <a:off x="2144196" y="678285"/>
+          <a:ext cx="1946002" cy="2724403"/>
+        </a:xfrm>
+        <a:prstGeom prst="rect">
+          <a:avLst/>
+        </a:prstGeom>
+        <a:solidFill>
+          <a:schemeClr val="dk2">
+            <a:alpha val="90000"/>
+            <a:tint val="40000"/>
+            <a:hueOff val="0"/>
+            <a:satOff val="0"/>
+            <a:lumOff val="0"/>
+            <a:alphaOff val="0"/>
+          </a:schemeClr>
+        </a:solidFill>
+        <a:ln w="6350" cap="flat" cmpd="sng" algn="ctr">
+          <a:solidFill>
+            <a:schemeClr val="dk2">
+              <a:alpha val="90000"/>
+              <a:tint val="40000"/>
+              <a:hueOff val="0"/>
+              <a:satOff val="0"/>
+              <a:lumOff val="0"/>
+              <a:alphaOff val="0"/>
+            </a:schemeClr>
+          </a:solidFill>
+          <a:prstDash val="solid"/>
+          <a:miter lim="800000"/>
+        </a:ln>
+        <a:effectLst/>
+      </dsp:spPr>
+      <dsp:style>
+        <a:lnRef idx="1">
+          <a:scrgbClr r="0" g="0" b="0"/>
+        </a:lnRef>
+        <a:fillRef idx="1">
+          <a:scrgbClr r="0" g="0" b="0"/>
+        </a:fillRef>
+        <a:effectRef idx="0">
+          <a:scrgbClr r="0" g="0" b="0"/>
+        </a:effectRef>
+        <a:fontRef idx="minor"/>
+      </dsp:style>
+      <dsp:txBody>
+        <a:bodyPr spcFirstLastPara="0" vert="horz" wrap="square" lIns="151718" tIns="330200" rIns="151718" bIns="330200" numCol="1" spcCol="1270" anchor="t" anchorCtr="0">
+          <a:noAutofit/>
+        </a:bodyPr>
+        <a:lstStyle/>
+        <a:p>
+          <a:pPr lvl="0" algn="l" defTabSz="844550">
+            <a:lnSpc>
+              <a:spcPct val="90000"/>
+            </a:lnSpc>
+            <a:spcBef>
+              <a:spcPct val="0"/>
+            </a:spcBef>
+            <a:spcAft>
+              <a:spcPct val="35000"/>
+            </a:spcAft>
+          </a:pPr>
+          <a:r>
+            <a:rPr lang="fr-FR" sz="1900" kern="1200"/>
+            <a:t>Gestionnaire de sources</a:t>
+          </a:r>
+        </a:p>
+      </dsp:txBody>
+      <dsp:txXfrm>
+        <a:off x="2144196" y="1713558"/>
+        <a:ext cx="1946002" cy="1634641"/>
+      </dsp:txXfrm>
+    </dsp:sp>
+    <dsp:sp modelId="{41B8FF2A-8271-46C7-B587-CAF65722FFA1}">
+      <dsp:nvSpPr>
+        <dsp:cNvPr id="0" name=""/>
+        <dsp:cNvSpPr/>
+      </dsp:nvSpPr>
+      <dsp:spPr>
+        <a:xfrm>
+          <a:off x="2708537" y="950725"/>
+          <a:ext cx="817320" cy="817320"/>
+        </a:xfrm>
+        <a:prstGeom prst="ellipse">
+          <a:avLst/>
+        </a:prstGeom>
+        <a:gradFill rotWithShape="0">
+          <a:gsLst>
+            <a:gs pos="0">
+              <a:schemeClr val="dk2">
+                <a:hueOff val="0"/>
+                <a:satOff val="0"/>
+                <a:lumOff val="0"/>
+                <a:alphaOff val="0"/>
+                <a:satMod val="103000"/>
+                <a:lumMod val="102000"/>
+                <a:tint val="94000"/>
+              </a:schemeClr>
+            </a:gs>
+            <a:gs pos="50000">
+              <a:schemeClr val="dk2">
+                <a:hueOff val="0"/>
+                <a:satOff val="0"/>
+                <a:lumOff val="0"/>
+                <a:alphaOff val="0"/>
+                <a:satMod val="110000"/>
+                <a:lumMod val="100000"/>
+                <a:shade val="100000"/>
+              </a:schemeClr>
+            </a:gs>
+            <a:gs pos="100000">
+              <a:schemeClr val="dk2">
+                <a:hueOff val="0"/>
+                <a:satOff val="0"/>
+                <a:lumOff val="0"/>
+                <a:alphaOff val="0"/>
+                <a:lumMod val="99000"/>
+                <a:satMod val="120000"/>
+                <a:shade val="78000"/>
+              </a:schemeClr>
+            </a:gs>
+          </a:gsLst>
+          <a:lin ang="5400000" scaled="0"/>
+        </a:gradFill>
+        <a:ln w="6350" cap="flat" cmpd="sng" algn="ctr">
+          <a:solidFill>
+            <a:schemeClr val="dk2">
+              <a:hueOff val="0"/>
+              <a:satOff val="0"/>
+              <a:lumOff val="0"/>
+              <a:alphaOff val="0"/>
+            </a:schemeClr>
+          </a:solidFill>
+          <a:prstDash val="solid"/>
+          <a:miter lim="800000"/>
+        </a:ln>
+        <a:effectLst/>
+      </dsp:spPr>
+      <dsp:style>
+        <a:lnRef idx="1">
+          <a:scrgbClr r="0" g="0" b="0"/>
+        </a:lnRef>
+        <a:fillRef idx="3">
+          <a:scrgbClr r="0" g="0" b="0"/>
+        </a:fillRef>
+        <a:effectRef idx="2">
+          <a:scrgbClr r="0" g="0" b="0"/>
+        </a:effectRef>
+        <a:fontRef idx="minor">
+          <a:schemeClr val="lt1"/>
+        </a:fontRef>
+      </dsp:style>
+      <dsp:txBody>
+        <a:bodyPr spcFirstLastPara="0" vert="horz" wrap="square" lIns="63722" tIns="12700" rIns="63722" bIns="12700" numCol="1" spcCol="1270" anchor="ctr" anchorCtr="0">
+          <a:noAutofit/>
+        </a:bodyPr>
+        <a:lstStyle/>
+        <a:p>
+          <a:pPr lvl="0" algn="ctr" defTabSz="1733550">
+            <a:lnSpc>
+              <a:spcPct val="90000"/>
+            </a:lnSpc>
+            <a:spcBef>
+              <a:spcPct val="0"/>
+            </a:spcBef>
+            <a:spcAft>
+              <a:spcPct val="35000"/>
+            </a:spcAft>
+          </a:pPr>
+          <a:r>
+            <a:rPr lang="fr-FR" sz="3900" kern="1200"/>
+            <a:t>2</a:t>
+          </a:r>
+        </a:p>
+      </dsp:txBody>
+      <dsp:txXfrm>
+        <a:off x="2828231" y="1070419"/>
+        <a:ext cx="577932" cy="577932"/>
+      </dsp:txXfrm>
+    </dsp:sp>
+    <dsp:sp modelId="{2082C135-662B-46F8-83D2-2059BA65282F}">
+      <dsp:nvSpPr>
+        <dsp:cNvPr id="0" name=""/>
+        <dsp:cNvSpPr/>
+      </dsp:nvSpPr>
+      <dsp:spPr>
+        <a:xfrm>
+          <a:off x="2144196" y="3402616"/>
+          <a:ext cx="1946002" cy="72"/>
+        </a:xfrm>
+        <a:prstGeom prst="rect">
+          <a:avLst/>
+        </a:prstGeom>
+        <a:gradFill rotWithShape="0">
+          <a:gsLst>
+            <a:gs pos="0">
+              <a:schemeClr val="dk2">
+                <a:hueOff val="0"/>
+                <a:satOff val="0"/>
+                <a:lumOff val="0"/>
+                <a:alphaOff val="0"/>
+                <a:satMod val="103000"/>
+                <a:lumMod val="102000"/>
+                <a:tint val="94000"/>
+              </a:schemeClr>
+            </a:gs>
+            <a:gs pos="50000">
+              <a:schemeClr val="dk2">
+                <a:hueOff val="0"/>
+                <a:satOff val="0"/>
+                <a:lumOff val="0"/>
+                <a:alphaOff val="0"/>
+                <a:satMod val="110000"/>
+                <a:lumMod val="100000"/>
+                <a:shade val="100000"/>
+              </a:schemeClr>
+            </a:gs>
+            <a:gs pos="100000">
+              <a:schemeClr val="dk2">
+                <a:hueOff val="0"/>
+                <a:satOff val="0"/>
+                <a:lumOff val="0"/>
+                <a:alphaOff val="0"/>
+                <a:lumMod val="99000"/>
+                <a:satMod val="120000"/>
+                <a:shade val="78000"/>
+              </a:schemeClr>
+            </a:gs>
+          </a:gsLst>
+          <a:lin ang="5400000" scaled="0"/>
+        </a:gradFill>
+        <a:ln w="6350" cap="flat" cmpd="sng" algn="ctr">
+          <a:solidFill>
+            <a:schemeClr val="dk2">
+              <a:hueOff val="0"/>
+              <a:satOff val="0"/>
+              <a:lumOff val="0"/>
+              <a:alphaOff val="0"/>
+            </a:schemeClr>
+          </a:solidFill>
+          <a:prstDash val="solid"/>
+          <a:miter lim="800000"/>
+        </a:ln>
+        <a:effectLst/>
+      </dsp:spPr>
+      <dsp:style>
+        <a:lnRef idx="1">
+          <a:scrgbClr r="0" g="0" b="0"/>
+        </a:lnRef>
+        <a:fillRef idx="3">
+          <a:scrgbClr r="0" g="0" b="0"/>
+        </a:fillRef>
+        <a:effectRef idx="2">
+          <a:scrgbClr r="0" g="0" b="0"/>
+        </a:effectRef>
+        <a:fontRef idx="minor">
+          <a:schemeClr val="lt1"/>
+        </a:fontRef>
+      </dsp:style>
+    </dsp:sp>
+    <dsp:sp modelId="{9FD5021F-E3DD-40AD-A944-E2F86C7F4B43}">
+      <dsp:nvSpPr>
+        <dsp:cNvPr id="0" name=""/>
+        <dsp:cNvSpPr/>
+      </dsp:nvSpPr>
+      <dsp:spPr>
+        <a:xfrm>
+          <a:off x="4284798" y="678285"/>
+          <a:ext cx="1946002" cy="2724403"/>
+        </a:xfrm>
+        <a:prstGeom prst="rect">
+          <a:avLst/>
+        </a:prstGeom>
+        <a:solidFill>
+          <a:schemeClr val="dk2">
+            <a:alpha val="90000"/>
+            <a:tint val="40000"/>
+            <a:hueOff val="0"/>
+            <a:satOff val="0"/>
+            <a:lumOff val="0"/>
+            <a:alphaOff val="0"/>
+          </a:schemeClr>
+        </a:solidFill>
+        <a:ln w="6350" cap="flat" cmpd="sng" algn="ctr">
+          <a:solidFill>
+            <a:schemeClr val="dk2">
+              <a:alpha val="90000"/>
+              <a:tint val="40000"/>
+              <a:hueOff val="0"/>
+              <a:satOff val="0"/>
+              <a:lumOff val="0"/>
+              <a:alphaOff val="0"/>
+            </a:schemeClr>
+          </a:solidFill>
+          <a:prstDash val="solid"/>
+          <a:miter lim="800000"/>
+        </a:ln>
+        <a:effectLst/>
+      </dsp:spPr>
+      <dsp:style>
+        <a:lnRef idx="1">
+          <a:scrgbClr r="0" g="0" b="0"/>
+        </a:lnRef>
+        <a:fillRef idx="1">
+          <a:scrgbClr r="0" g="0" b="0"/>
+        </a:fillRef>
+        <a:effectRef idx="0">
+          <a:scrgbClr r="0" g="0" b="0"/>
+        </a:effectRef>
+        <a:fontRef idx="minor"/>
+      </dsp:style>
+      <dsp:txBody>
+        <a:bodyPr spcFirstLastPara="0" vert="horz" wrap="square" lIns="151718" tIns="330200" rIns="151718" bIns="330200" numCol="1" spcCol="1270" anchor="t" anchorCtr="0">
+          <a:noAutofit/>
+        </a:bodyPr>
+        <a:lstStyle/>
+        <a:p>
+          <a:pPr lvl="0" algn="l" defTabSz="844550">
+            <a:lnSpc>
+              <a:spcPct val="90000"/>
+            </a:lnSpc>
+            <a:spcBef>
+              <a:spcPct val="0"/>
+            </a:spcBef>
+            <a:spcAft>
+              <a:spcPct val="35000"/>
+            </a:spcAft>
+          </a:pPr>
+          <a:r>
+            <a:rPr lang="fr-FR" sz="1900" kern="1200"/>
+            <a:t>Build</a:t>
+          </a:r>
+        </a:p>
+      </dsp:txBody>
+      <dsp:txXfrm>
+        <a:off x="4284798" y="1713558"/>
+        <a:ext cx="1946002" cy="1634641"/>
+      </dsp:txXfrm>
+    </dsp:sp>
+    <dsp:sp modelId="{C987D52A-B9A8-41A2-BD3C-6D9094E165AE}">
+      <dsp:nvSpPr>
+        <dsp:cNvPr id="0" name=""/>
+        <dsp:cNvSpPr/>
+      </dsp:nvSpPr>
+      <dsp:spPr>
+        <a:xfrm>
+          <a:off x="4849139" y="950725"/>
+          <a:ext cx="817320" cy="817320"/>
+        </a:xfrm>
+        <a:prstGeom prst="ellipse">
+          <a:avLst/>
+        </a:prstGeom>
+        <a:gradFill rotWithShape="0">
+          <a:gsLst>
+            <a:gs pos="0">
+              <a:schemeClr val="dk2">
+                <a:hueOff val="0"/>
+                <a:satOff val="0"/>
+                <a:lumOff val="0"/>
+                <a:alphaOff val="0"/>
+                <a:satMod val="103000"/>
+                <a:lumMod val="102000"/>
+                <a:tint val="94000"/>
+              </a:schemeClr>
+            </a:gs>
+            <a:gs pos="50000">
+              <a:schemeClr val="dk2">
+                <a:hueOff val="0"/>
+                <a:satOff val="0"/>
+                <a:lumOff val="0"/>
+                <a:alphaOff val="0"/>
+                <a:satMod val="110000"/>
+                <a:lumMod val="100000"/>
+                <a:shade val="100000"/>
+              </a:schemeClr>
+            </a:gs>
+            <a:gs pos="100000">
+              <a:schemeClr val="dk2">
+                <a:hueOff val="0"/>
+                <a:satOff val="0"/>
+                <a:lumOff val="0"/>
+                <a:alphaOff val="0"/>
+                <a:lumMod val="99000"/>
+                <a:satMod val="120000"/>
+                <a:shade val="78000"/>
+              </a:schemeClr>
+            </a:gs>
+          </a:gsLst>
+          <a:lin ang="5400000" scaled="0"/>
+        </a:gradFill>
+        <a:ln w="6350" cap="flat" cmpd="sng" algn="ctr">
+          <a:solidFill>
+            <a:schemeClr val="dk2">
+              <a:hueOff val="0"/>
+              <a:satOff val="0"/>
+              <a:lumOff val="0"/>
+              <a:alphaOff val="0"/>
+            </a:schemeClr>
+          </a:solidFill>
+          <a:prstDash val="solid"/>
+          <a:miter lim="800000"/>
+        </a:ln>
+        <a:effectLst/>
+      </dsp:spPr>
+      <dsp:style>
+        <a:lnRef idx="1">
+          <a:scrgbClr r="0" g="0" b="0"/>
+        </a:lnRef>
+        <a:fillRef idx="3">
+          <a:scrgbClr r="0" g="0" b="0"/>
+        </a:fillRef>
+        <a:effectRef idx="2">
+          <a:scrgbClr r="0" g="0" b="0"/>
+        </a:effectRef>
+        <a:fontRef idx="minor">
+          <a:schemeClr val="lt1"/>
+        </a:fontRef>
+      </dsp:style>
+      <dsp:txBody>
+        <a:bodyPr spcFirstLastPara="0" vert="horz" wrap="square" lIns="63722" tIns="12700" rIns="63722" bIns="12700" numCol="1" spcCol="1270" anchor="ctr" anchorCtr="0">
+          <a:noAutofit/>
+        </a:bodyPr>
+        <a:lstStyle/>
+        <a:p>
+          <a:pPr lvl="0" algn="ctr" defTabSz="1733550">
+            <a:lnSpc>
+              <a:spcPct val="90000"/>
+            </a:lnSpc>
+            <a:spcBef>
+              <a:spcPct val="0"/>
+            </a:spcBef>
+            <a:spcAft>
+              <a:spcPct val="35000"/>
+            </a:spcAft>
+          </a:pPr>
+          <a:r>
+            <a:rPr lang="fr-FR" sz="3900" kern="1200"/>
+            <a:t>3</a:t>
+          </a:r>
+        </a:p>
+      </dsp:txBody>
+      <dsp:txXfrm>
+        <a:off x="4968833" y="1070419"/>
+        <a:ext cx="577932" cy="577932"/>
+      </dsp:txXfrm>
+    </dsp:sp>
+    <dsp:sp modelId="{2FC56235-EA6C-49E2-9723-4B8F0813EC05}">
+      <dsp:nvSpPr>
+        <dsp:cNvPr id="0" name=""/>
+        <dsp:cNvSpPr/>
+      </dsp:nvSpPr>
+      <dsp:spPr>
+        <a:xfrm>
+          <a:off x="4284798" y="3402616"/>
+          <a:ext cx="1946002" cy="72"/>
+        </a:xfrm>
+        <a:prstGeom prst="rect">
+          <a:avLst/>
+        </a:prstGeom>
+        <a:gradFill rotWithShape="0">
+          <a:gsLst>
+            <a:gs pos="0">
+              <a:schemeClr val="dk2">
+                <a:hueOff val="0"/>
+                <a:satOff val="0"/>
+                <a:lumOff val="0"/>
+                <a:alphaOff val="0"/>
+                <a:satMod val="103000"/>
+                <a:lumMod val="102000"/>
+                <a:tint val="94000"/>
+              </a:schemeClr>
+            </a:gs>
+            <a:gs pos="50000">
+              <a:schemeClr val="dk2">
+                <a:hueOff val="0"/>
+                <a:satOff val="0"/>
+                <a:lumOff val="0"/>
+                <a:alphaOff val="0"/>
+                <a:satMod val="110000"/>
+                <a:lumMod val="100000"/>
+                <a:shade val="100000"/>
+              </a:schemeClr>
+            </a:gs>
+            <a:gs pos="100000">
+              <a:schemeClr val="dk2">
+                <a:hueOff val="0"/>
+                <a:satOff val="0"/>
+                <a:lumOff val="0"/>
+                <a:alphaOff val="0"/>
+                <a:lumMod val="99000"/>
+                <a:satMod val="120000"/>
+                <a:shade val="78000"/>
+              </a:schemeClr>
+            </a:gs>
+          </a:gsLst>
+          <a:lin ang="5400000" scaled="0"/>
+        </a:gradFill>
+        <a:ln w="6350" cap="flat" cmpd="sng" algn="ctr">
+          <a:solidFill>
+            <a:schemeClr val="dk2">
+              <a:hueOff val="0"/>
+              <a:satOff val="0"/>
+              <a:lumOff val="0"/>
+              <a:alphaOff val="0"/>
+            </a:schemeClr>
+          </a:solidFill>
+          <a:prstDash val="solid"/>
+          <a:miter lim="800000"/>
+        </a:ln>
+        <a:effectLst/>
+      </dsp:spPr>
+      <dsp:style>
+        <a:lnRef idx="1">
+          <a:scrgbClr r="0" g="0" b="0"/>
+        </a:lnRef>
+        <a:fillRef idx="3">
+          <a:scrgbClr r="0" g="0" b="0"/>
+        </a:fillRef>
+        <a:effectRef idx="2">
+          <a:scrgbClr r="0" g="0" b="0"/>
+        </a:effectRef>
+        <a:fontRef idx="minor">
+          <a:schemeClr val="lt1"/>
+        </a:fontRef>
+      </dsp:style>
+    </dsp:sp>
+    <dsp:sp modelId="{3038BC20-23C0-4C5F-9818-5D4F8C3D68AD}">
+      <dsp:nvSpPr>
+        <dsp:cNvPr id="0" name=""/>
+        <dsp:cNvSpPr/>
+      </dsp:nvSpPr>
+      <dsp:spPr>
+        <a:xfrm>
+          <a:off x="6425401" y="678285"/>
+          <a:ext cx="1946002" cy="2724403"/>
+        </a:xfrm>
+        <a:prstGeom prst="rect">
+          <a:avLst/>
+        </a:prstGeom>
+        <a:solidFill>
+          <a:schemeClr val="dk2">
+            <a:alpha val="90000"/>
+            <a:tint val="40000"/>
+            <a:hueOff val="0"/>
+            <a:satOff val="0"/>
+            <a:lumOff val="0"/>
+            <a:alphaOff val="0"/>
+          </a:schemeClr>
+        </a:solidFill>
+        <a:ln w="6350" cap="flat" cmpd="sng" algn="ctr">
+          <a:solidFill>
+            <a:schemeClr val="dk2">
+              <a:alpha val="90000"/>
+              <a:tint val="40000"/>
+              <a:hueOff val="0"/>
+              <a:satOff val="0"/>
+              <a:lumOff val="0"/>
+              <a:alphaOff val="0"/>
+            </a:schemeClr>
+          </a:solidFill>
+          <a:prstDash val="solid"/>
+          <a:miter lim="800000"/>
+        </a:ln>
+        <a:effectLst/>
+      </dsp:spPr>
+      <dsp:style>
+        <a:lnRef idx="1">
+          <a:scrgbClr r="0" g="0" b="0"/>
+        </a:lnRef>
+        <a:fillRef idx="1">
+          <a:scrgbClr r="0" g="0" b="0"/>
+        </a:fillRef>
+        <a:effectRef idx="0">
+          <a:scrgbClr r="0" g="0" b="0"/>
+        </a:effectRef>
+        <a:fontRef idx="minor"/>
+      </dsp:style>
+      <dsp:txBody>
+        <a:bodyPr spcFirstLastPara="0" vert="horz" wrap="square" lIns="151718" tIns="330200" rIns="151718" bIns="330200" numCol="1" spcCol="1270" anchor="t" anchorCtr="0">
+          <a:noAutofit/>
+        </a:bodyPr>
+        <a:lstStyle/>
+        <a:p>
+          <a:pPr lvl="0" algn="l" defTabSz="844550">
+            <a:lnSpc>
+              <a:spcPct val="90000"/>
+            </a:lnSpc>
+            <a:spcBef>
+              <a:spcPct val="0"/>
+            </a:spcBef>
+            <a:spcAft>
+              <a:spcPct val="35000"/>
+            </a:spcAft>
+          </a:pPr>
+          <a:r>
+            <a:rPr lang="fr-FR" sz="1900" kern="1200"/>
+            <a:t>Tests</a:t>
+          </a:r>
+        </a:p>
+      </dsp:txBody>
+      <dsp:txXfrm>
+        <a:off x="6425401" y="1713558"/>
+        <a:ext cx="1946002" cy="1634641"/>
+      </dsp:txXfrm>
+    </dsp:sp>
+    <dsp:sp modelId="{5C210124-6EE8-4148-AEEB-BB2C3359F3A0}">
+      <dsp:nvSpPr>
+        <dsp:cNvPr id="0" name=""/>
+        <dsp:cNvSpPr/>
+      </dsp:nvSpPr>
+      <dsp:spPr>
+        <a:xfrm>
+          <a:off x="6989741" y="950725"/>
+          <a:ext cx="817320" cy="817320"/>
+        </a:xfrm>
+        <a:prstGeom prst="ellipse">
+          <a:avLst/>
+        </a:prstGeom>
+        <a:gradFill rotWithShape="0">
+          <a:gsLst>
+            <a:gs pos="0">
+              <a:schemeClr val="dk2">
+                <a:hueOff val="0"/>
+                <a:satOff val="0"/>
+                <a:lumOff val="0"/>
+                <a:alphaOff val="0"/>
+                <a:satMod val="103000"/>
+                <a:lumMod val="102000"/>
+                <a:tint val="94000"/>
+              </a:schemeClr>
+            </a:gs>
+            <a:gs pos="50000">
+              <a:schemeClr val="dk2">
+                <a:hueOff val="0"/>
+                <a:satOff val="0"/>
+                <a:lumOff val="0"/>
+                <a:alphaOff val="0"/>
+                <a:satMod val="110000"/>
+                <a:lumMod val="100000"/>
+                <a:shade val="100000"/>
+              </a:schemeClr>
+            </a:gs>
+            <a:gs pos="100000">
+              <a:schemeClr val="dk2">
+                <a:hueOff val="0"/>
+                <a:satOff val="0"/>
+                <a:lumOff val="0"/>
+                <a:alphaOff val="0"/>
+                <a:lumMod val="99000"/>
+                <a:satMod val="120000"/>
+                <a:shade val="78000"/>
+              </a:schemeClr>
+            </a:gs>
+          </a:gsLst>
+          <a:lin ang="5400000" scaled="0"/>
+        </a:gradFill>
+        <a:ln w="6350" cap="flat" cmpd="sng" algn="ctr">
+          <a:solidFill>
+            <a:schemeClr val="dk2">
+              <a:hueOff val="0"/>
+              <a:satOff val="0"/>
+              <a:lumOff val="0"/>
+              <a:alphaOff val="0"/>
+            </a:schemeClr>
+          </a:solidFill>
+          <a:prstDash val="solid"/>
+          <a:miter lim="800000"/>
+        </a:ln>
+        <a:effectLst/>
+      </dsp:spPr>
+      <dsp:style>
+        <a:lnRef idx="1">
+          <a:scrgbClr r="0" g="0" b="0"/>
+        </a:lnRef>
+        <a:fillRef idx="3">
+          <a:scrgbClr r="0" g="0" b="0"/>
+        </a:fillRef>
+        <a:effectRef idx="2">
+          <a:scrgbClr r="0" g="0" b="0"/>
+        </a:effectRef>
+        <a:fontRef idx="minor">
+          <a:schemeClr val="lt1"/>
+        </a:fontRef>
+      </dsp:style>
+      <dsp:txBody>
+        <a:bodyPr spcFirstLastPara="0" vert="horz" wrap="square" lIns="63722" tIns="12700" rIns="63722" bIns="12700" numCol="1" spcCol="1270" anchor="ctr" anchorCtr="0">
+          <a:noAutofit/>
+        </a:bodyPr>
+        <a:lstStyle/>
+        <a:p>
+          <a:pPr lvl="0" algn="ctr" defTabSz="1733550">
+            <a:lnSpc>
+              <a:spcPct val="90000"/>
+            </a:lnSpc>
+            <a:spcBef>
+              <a:spcPct val="0"/>
+            </a:spcBef>
+            <a:spcAft>
+              <a:spcPct val="35000"/>
+            </a:spcAft>
+          </a:pPr>
+          <a:r>
+            <a:rPr lang="fr-FR" sz="3900" kern="1200"/>
+            <a:t>4</a:t>
+          </a:r>
+        </a:p>
+      </dsp:txBody>
+      <dsp:txXfrm>
+        <a:off x="7109435" y="1070419"/>
+        <a:ext cx="577932" cy="577932"/>
+      </dsp:txXfrm>
+    </dsp:sp>
+    <dsp:sp modelId="{BF8511B7-7962-433E-A311-2783BC180C24}">
+      <dsp:nvSpPr>
+        <dsp:cNvPr id="0" name=""/>
+        <dsp:cNvSpPr/>
+      </dsp:nvSpPr>
+      <dsp:spPr>
+        <a:xfrm>
+          <a:off x="6425401" y="3402616"/>
+          <a:ext cx="1946002" cy="72"/>
+        </a:xfrm>
+        <a:prstGeom prst="rect">
+          <a:avLst/>
+        </a:prstGeom>
+        <a:gradFill rotWithShape="0">
+          <a:gsLst>
+            <a:gs pos="0">
+              <a:schemeClr val="dk2">
+                <a:hueOff val="0"/>
+                <a:satOff val="0"/>
+                <a:lumOff val="0"/>
+                <a:alphaOff val="0"/>
+                <a:satMod val="103000"/>
+                <a:lumMod val="102000"/>
+                <a:tint val="94000"/>
+              </a:schemeClr>
+            </a:gs>
+            <a:gs pos="50000">
+              <a:schemeClr val="dk2">
+                <a:hueOff val="0"/>
+                <a:satOff val="0"/>
+                <a:lumOff val="0"/>
+                <a:alphaOff val="0"/>
+                <a:satMod val="110000"/>
+                <a:lumMod val="100000"/>
+                <a:shade val="100000"/>
+              </a:schemeClr>
+            </a:gs>
+            <a:gs pos="100000">
+              <a:schemeClr val="dk2">
+                <a:hueOff val="0"/>
+                <a:satOff val="0"/>
+                <a:lumOff val="0"/>
+                <a:alphaOff val="0"/>
+                <a:lumMod val="99000"/>
+                <a:satMod val="120000"/>
+                <a:shade val="78000"/>
+              </a:schemeClr>
+            </a:gs>
+          </a:gsLst>
+          <a:lin ang="5400000" scaled="0"/>
+        </a:gradFill>
+        <a:ln w="6350" cap="flat" cmpd="sng" algn="ctr">
+          <a:solidFill>
+            <a:schemeClr val="dk2">
+              <a:hueOff val="0"/>
+              <a:satOff val="0"/>
+              <a:lumOff val="0"/>
+              <a:alphaOff val="0"/>
+            </a:schemeClr>
+          </a:solidFill>
+          <a:prstDash val="solid"/>
+          <a:miter lim="800000"/>
+        </a:ln>
+        <a:effectLst/>
+      </dsp:spPr>
+      <dsp:style>
+        <a:lnRef idx="1">
+          <a:scrgbClr r="0" g="0" b="0"/>
+        </a:lnRef>
+        <a:fillRef idx="3">
+          <a:scrgbClr r="0" g="0" b="0"/>
+        </a:fillRef>
+        <a:effectRef idx="2">
+          <a:scrgbClr r="0" g="0" b="0"/>
+        </a:effectRef>
+        <a:fontRef idx="minor">
+          <a:schemeClr val="lt1"/>
+        </a:fontRef>
+      </dsp:style>
+    </dsp:sp>
+    <dsp:sp modelId="{27DE3DC3-B7ED-47A7-9FDD-A41DDDA5B33F}">
+      <dsp:nvSpPr>
+        <dsp:cNvPr id="0" name=""/>
+        <dsp:cNvSpPr/>
+      </dsp:nvSpPr>
+      <dsp:spPr>
+        <a:xfrm>
+          <a:off x="8566003" y="678285"/>
+          <a:ext cx="1946002" cy="2724403"/>
+        </a:xfrm>
+        <a:prstGeom prst="rect">
+          <a:avLst/>
+        </a:prstGeom>
+        <a:solidFill>
+          <a:schemeClr val="dk2">
+            <a:alpha val="90000"/>
+            <a:tint val="40000"/>
+            <a:hueOff val="0"/>
+            <a:satOff val="0"/>
+            <a:lumOff val="0"/>
+            <a:alphaOff val="0"/>
+          </a:schemeClr>
+        </a:solidFill>
+        <a:ln w="6350" cap="flat" cmpd="sng" algn="ctr">
+          <a:solidFill>
+            <a:schemeClr val="dk2">
+              <a:alpha val="90000"/>
+              <a:tint val="40000"/>
+              <a:hueOff val="0"/>
+              <a:satOff val="0"/>
+              <a:lumOff val="0"/>
+              <a:alphaOff val="0"/>
+            </a:schemeClr>
+          </a:solidFill>
+          <a:prstDash val="solid"/>
+          <a:miter lim="800000"/>
+        </a:ln>
+        <a:effectLst/>
+      </dsp:spPr>
+      <dsp:style>
+        <a:lnRef idx="1">
+          <a:scrgbClr r="0" g="0" b="0"/>
+        </a:lnRef>
+        <a:fillRef idx="1">
+          <a:scrgbClr r="0" g="0" b="0"/>
+        </a:fillRef>
+        <a:effectRef idx="0">
+          <a:scrgbClr r="0" g="0" b="0"/>
+        </a:effectRef>
+        <a:fontRef idx="minor"/>
+      </dsp:style>
+      <dsp:txBody>
+        <a:bodyPr spcFirstLastPara="0" vert="horz" wrap="square" lIns="151718" tIns="330200" rIns="151718" bIns="330200" numCol="1" spcCol="1270" anchor="t" anchorCtr="0">
+          <a:noAutofit/>
+        </a:bodyPr>
+        <a:lstStyle/>
+        <a:p>
+          <a:pPr lvl="0" algn="l" defTabSz="844550">
+            <a:lnSpc>
+              <a:spcPct val="90000"/>
+            </a:lnSpc>
+            <a:spcBef>
+              <a:spcPct val="0"/>
+            </a:spcBef>
+            <a:spcAft>
+              <a:spcPct val="35000"/>
+            </a:spcAft>
+          </a:pPr>
+          <a:r>
+            <a:rPr lang="fr-FR" sz="1900" kern="1200" dirty="0"/>
+            <a:t>Déploiement</a:t>
+          </a:r>
+        </a:p>
+      </dsp:txBody>
+      <dsp:txXfrm>
+        <a:off x="8566003" y="1713558"/>
+        <a:ext cx="1946002" cy="1634641"/>
+      </dsp:txXfrm>
+    </dsp:sp>
+    <dsp:sp modelId="{B57005D5-24B4-4147-BD89-4DD3BEA1AB17}">
+      <dsp:nvSpPr>
+        <dsp:cNvPr id="0" name=""/>
+        <dsp:cNvSpPr/>
+      </dsp:nvSpPr>
+      <dsp:spPr>
+        <a:xfrm>
+          <a:off x="9130344" y="950725"/>
+          <a:ext cx="817320" cy="817320"/>
+        </a:xfrm>
+        <a:prstGeom prst="ellipse">
+          <a:avLst/>
+        </a:prstGeom>
+        <a:gradFill rotWithShape="0">
+          <a:gsLst>
+            <a:gs pos="0">
+              <a:schemeClr val="dk2">
+                <a:hueOff val="0"/>
+                <a:satOff val="0"/>
+                <a:lumOff val="0"/>
+                <a:alphaOff val="0"/>
+                <a:satMod val="103000"/>
+                <a:lumMod val="102000"/>
+                <a:tint val="94000"/>
+              </a:schemeClr>
+            </a:gs>
+            <a:gs pos="50000">
+              <a:schemeClr val="dk2">
+                <a:hueOff val="0"/>
+                <a:satOff val="0"/>
+                <a:lumOff val="0"/>
+                <a:alphaOff val="0"/>
+                <a:satMod val="110000"/>
+                <a:lumMod val="100000"/>
+                <a:shade val="100000"/>
+              </a:schemeClr>
+            </a:gs>
+            <a:gs pos="100000">
+              <a:schemeClr val="dk2">
+                <a:hueOff val="0"/>
+                <a:satOff val="0"/>
+                <a:lumOff val="0"/>
+                <a:alphaOff val="0"/>
+                <a:lumMod val="99000"/>
+                <a:satMod val="120000"/>
+                <a:shade val="78000"/>
+              </a:schemeClr>
+            </a:gs>
+          </a:gsLst>
+          <a:lin ang="5400000" scaled="0"/>
+        </a:gradFill>
+        <a:ln w="6350" cap="flat" cmpd="sng" algn="ctr">
+          <a:solidFill>
+            <a:schemeClr val="dk2">
+              <a:hueOff val="0"/>
+              <a:satOff val="0"/>
+              <a:lumOff val="0"/>
+              <a:alphaOff val="0"/>
+            </a:schemeClr>
+          </a:solidFill>
+          <a:prstDash val="solid"/>
+          <a:miter lim="800000"/>
+        </a:ln>
+        <a:effectLst/>
+      </dsp:spPr>
+      <dsp:style>
+        <a:lnRef idx="1">
+          <a:scrgbClr r="0" g="0" b="0"/>
+        </a:lnRef>
+        <a:fillRef idx="3">
+          <a:scrgbClr r="0" g="0" b="0"/>
+        </a:fillRef>
+        <a:effectRef idx="2">
+          <a:scrgbClr r="0" g="0" b="0"/>
+        </a:effectRef>
+        <a:fontRef idx="minor">
+          <a:schemeClr val="lt1"/>
+        </a:fontRef>
+      </dsp:style>
+      <dsp:txBody>
+        <a:bodyPr spcFirstLastPara="0" vert="horz" wrap="square" lIns="63722" tIns="12700" rIns="63722" bIns="12700" numCol="1" spcCol="1270" anchor="ctr" anchorCtr="0">
+          <a:noAutofit/>
+        </a:bodyPr>
+        <a:lstStyle/>
+        <a:p>
+          <a:pPr lvl="0" algn="ctr" defTabSz="1733550">
+            <a:lnSpc>
+              <a:spcPct val="90000"/>
+            </a:lnSpc>
+            <a:spcBef>
+              <a:spcPct val="0"/>
+            </a:spcBef>
+            <a:spcAft>
+              <a:spcPct val="35000"/>
+            </a:spcAft>
+          </a:pPr>
+          <a:r>
+            <a:rPr lang="fr-FR" sz="3900" kern="1200"/>
+            <a:t>5</a:t>
+          </a:r>
+        </a:p>
+      </dsp:txBody>
+      <dsp:txXfrm>
+        <a:off x="9250038" y="1070419"/>
+        <a:ext cx="577932" cy="577932"/>
+      </dsp:txXfrm>
+    </dsp:sp>
+    <dsp:sp modelId="{B3430014-E43C-449A-98B3-68B173DFE44E}">
+      <dsp:nvSpPr>
+        <dsp:cNvPr id="0" name=""/>
+        <dsp:cNvSpPr/>
+      </dsp:nvSpPr>
+      <dsp:spPr>
+        <a:xfrm>
+          <a:off x="8566003" y="3402616"/>
+          <a:ext cx="1946002" cy="72"/>
+        </a:xfrm>
+        <a:prstGeom prst="rect">
+          <a:avLst/>
+        </a:prstGeom>
+        <a:gradFill rotWithShape="0">
+          <a:gsLst>
+            <a:gs pos="0">
+              <a:schemeClr val="dk2">
+                <a:hueOff val="0"/>
+                <a:satOff val="0"/>
+                <a:lumOff val="0"/>
+                <a:alphaOff val="0"/>
+                <a:satMod val="103000"/>
+                <a:lumMod val="102000"/>
+                <a:tint val="94000"/>
+              </a:schemeClr>
+            </a:gs>
+            <a:gs pos="50000">
+              <a:schemeClr val="dk2">
+                <a:hueOff val="0"/>
+                <a:satOff val="0"/>
+                <a:lumOff val="0"/>
+                <a:alphaOff val="0"/>
+                <a:satMod val="110000"/>
+                <a:lumMod val="100000"/>
+                <a:shade val="100000"/>
+              </a:schemeClr>
+            </a:gs>
+            <a:gs pos="100000">
+              <a:schemeClr val="dk2">
+                <a:hueOff val="0"/>
+                <a:satOff val="0"/>
+                <a:lumOff val="0"/>
+                <a:alphaOff val="0"/>
+                <a:lumMod val="99000"/>
+                <a:satMod val="120000"/>
+                <a:shade val="78000"/>
+              </a:schemeClr>
+            </a:gs>
+          </a:gsLst>
+          <a:lin ang="5400000" scaled="0"/>
+        </a:gradFill>
+        <a:ln w="6350" cap="flat" cmpd="sng" algn="ctr">
+          <a:solidFill>
+            <a:schemeClr val="dk2">
+              <a:hueOff val="0"/>
+              <a:satOff val="0"/>
+              <a:lumOff val="0"/>
+              <a:alphaOff val="0"/>
+            </a:schemeClr>
+          </a:solidFill>
+          <a:prstDash val="solid"/>
+          <a:miter lim="800000"/>
+        </a:ln>
+        <a:effectLst/>
+      </dsp:spPr>
+      <dsp:style>
+        <a:lnRef idx="1">
+          <a:scrgbClr r="0" g="0" b="0"/>
+        </a:lnRef>
+        <a:fillRef idx="3">
+          <a:scrgbClr r="0" g="0" b="0"/>
+        </a:fillRef>
+        <a:effectRef idx="2">
+          <a:scrgbClr r="0" g="0" b="0"/>
+        </a:effectRef>
+        <a:fontRef idx="minor">
+          <a:schemeClr val="lt1"/>
+        </a:fontRef>
+      </dsp:style>
+    </dsp:sp>
   </dsp:spTree>
 </dsp:drawing>
 </file>
@@ -2980,7 +4318,7 @@
           <a:p>
             <a:fld id="{AA484E57-6815-4A80-B901-1B63F5DE943C}" type="datetimeFigureOut">
               <a:rPr lang="fr-FR" smtClean="0"/>
-              <a:t>24/01/2018</a:t>
+              <a:t>25/01/2018</a:t>
             </a:fld>
             <a:endParaRPr lang="fr-FR"/>
           </a:p>
@@ -3880,7 +5218,7 @@
           <a:p>
             <a:fld id="{F80D2B25-4E52-4226-975E-4DFD396ECEB0}" type="datetimeFigureOut">
               <a:rPr lang="fr-FR" smtClean="0"/>
-              <a:t>24/01/2018</a:t>
+              <a:t>25/01/2018</a:t>
             </a:fld>
             <a:endParaRPr lang="fr-FR"/>
           </a:p>
@@ -4048,7 +5386,7 @@
           <a:p>
             <a:fld id="{F80D2B25-4E52-4226-975E-4DFD396ECEB0}" type="datetimeFigureOut">
               <a:rPr lang="fr-FR" smtClean="0"/>
-              <a:t>24/01/2018</a:t>
+              <a:t>25/01/2018</a:t>
             </a:fld>
             <a:endParaRPr lang="fr-FR"/>
           </a:p>
@@ -4226,7 +5564,7 @@
           <a:p>
             <a:fld id="{F80D2B25-4E52-4226-975E-4DFD396ECEB0}" type="datetimeFigureOut">
               <a:rPr lang="fr-FR" smtClean="0"/>
-              <a:t>24/01/2018</a:t>
+              <a:t>25/01/2018</a:t>
             </a:fld>
             <a:endParaRPr lang="fr-FR"/>
           </a:p>
@@ -4394,7 +5732,7 @@
           <a:p>
             <a:fld id="{F80D2B25-4E52-4226-975E-4DFD396ECEB0}" type="datetimeFigureOut">
               <a:rPr lang="fr-FR" smtClean="0"/>
-              <a:t>24/01/2018</a:t>
+              <a:t>25/01/2018</a:t>
             </a:fld>
             <a:endParaRPr lang="fr-FR"/>
           </a:p>
@@ -4639,7 +5977,7 @@
           <a:p>
             <a:fld id="{F80D2B25-4E52-4226-975E-4DFD396ECEB0}" type="datetimeFigureOut">
               <a:rPr lang="fr-FR" smtClean="0"/>
-              <a:t>24/01/2018</a:t>
+              <a:t>25/01/2018</a:t>
             </a:fld>
             <a:endParaRPr lang="fr-FR"/>
           </a:p>
@@ -4868,7 +6206,7 @@
           <a:p>
             <a:fld id="{F80D2B25-4E52-4226-975E-4DFD396ECEB0}" type="datetimeFigureOut">
               <a:rPr lang="fr-FR" smtClean="0"/>
-              <a:t>24/01/2018</a:t>
+              <a:t>25/01/2018</a:t>
             </a:fld>
             <a:endParaRPr lang="fr-FR"/>
           </a:p>
@@ -5232,7 +6570,7 @@
           <a:p>
             <a:fld id="{F80D2B25-4E52-4226-975E-4DFD396ECEB0}" type="datetimeFigureOut">
               <a:rPr lang="fr-FR" smtClean="0"/>
-              <a:t>24/01/2018</a:t>
+              <a:t>25/01/2018</a:t>
             </a:fld>
             <a:endParaRPr lang="fr-FR"/>
           </a:p>
@@ -5349,7 +6687,7 @@
           <a:p>
             <a:fld id="{F80D2B25-4E52-4226-975E-4DFD396ECEB0}" type="datetimeFigureOut">
               <a:rPr lang="fr-FR" smtClean="0"/>
-              <a:t>24/01/2018</a:t>
+              <a:t>25/01/2018</a:t>
             </a:fld>
             <a:endParaRPr lang="fr-FR"/>
           </a:p>
@@ -5444,7 +6782,7 @@
           <a:p>
             <a:fld id="{F80D2B25-4E52-4226-975E-4DFD396ECEB0}" type="datetimeFigureOut">
               <a:rPr lang="fr-FR" smtClean="0"/>
-              <a:t>24/01/2018</a:t>
+              <a:t>25/01/2018</a:t>
             </a:fld>
             <a:endParaRPr lang="fr-FR"/>
           </a:p>
@@ -5719,7 +7057,7 @@
           <a:p>
             <a:fld id="{F80D2B25-4E52-4226-975E-4DFD396ECEB0}" type="datetimeFigureOut">
               <a:rPr lang="fr-FR" smtClean="0"/>
-              <a:t>24/01/2018</a:t>
+              <a:t>25/01/2018</a:t>
             </a:fld>
             <a:endParaRPr lang="fr-FR"/>
           </a:p>
@@ -5971,7 +7309,7 @@
           <a:p>
             <a:fld id="{F80D2B25-4E52-4226-975E-4DFD396ECEB0}" type="datetimeFigureOut">
               <a:rPr lang="fr-FR" smtClean="0"/>
-              <a:t>24/01/2018</a:t>
+              <a:t>25/01/2018</a:t>
             </a:fld>
             <a:endParaRPr lang="fr-FR"/>
           </a:p>
@@ -6182,7 +7520,7 @@
           <a:p>
             <a:fld id="{F80D2B25-4E52-4226-975E-4DFD396ECEB0}" type="datetimeFigureOut">
               <a:rPr lang="fr-FR" smtClean="0"/>
-              <a:t>24/01/2018</a:t>
+              <a:t>25/01/2018</a:t>
             </a:fld>
             <a:endParaRPr lang="fr-FR"/>
           </a:p>
@@ -8196,7 +9534,7 @@
               <a:buNone/>
             </a:pPr>
             <a:r>
-              <a:rPr lang="fr-FR"/>
+              <a:rPr lang="fr-FR" dirty="0"/>
               <a:t>Les noms de méthodes reflètent ce que fait la méthode.</a:t>
             </a:r>
           </a:p>
@@ -16562,16 +17900,16 @@
               <a:t>	// </a:t>
             </a:r>
             <a:r>
-              <a:rPr lang="fr-FR" dirty="0" err="1">
+              <a:rPr lang="fr-FR" dirty="0" err="1" smtClean="0">
                 <a:solidFill>
                   <a:srgbClr val="008000"/>
                 </a:solidFill>
                 <a:latin typeface="Courier New" panose="02070309020205020404" pitchFamily="49" charset="0"/>
               </a:rPr>
-              <a:t>Asset</a:t>
-            </a:r>
-            <a:r>
-              <a:rPr lang="fr-FR" dirty="0">
+              <a:t>Assert</a:t>
+            </a:r>
+            <a:r>
+              <a:rPr lang="fr-FR" dirty="0" smtClean="0">
                 <a:solidFill>
                   <a:srgbClr val="008000"/>
                 </a:solidFill>
@@ -16579,6 +17917,12 @@
               </a:rPr>
               <a:t> </a:t>
             </a:r>
+            <a:endParaRPr lang="fr-FR" dirty="0">
+              <a:solidFill>
+                <a:srgbClr val="008000"/>
+              </a:solidFill>
+              <a:latin typeface="Courier New" panose="02070309020205020404" pitchFamily="49" charset="0"/>
+            </a:endParaRPr>
           </a:p>
           <a:p>
             <a:r>
@@ -22227,8 +23571,16 @@
               <a:buNone/>
             </a:pPr>
             <a:r>
-              <a:rPr lang="fr-FR" sz="2000"/>
-              <a:t>Le mocking est une technique qui permet de simuler le comportement d'un objet en injectant les arguments et en spécifiant quelle valeur on veut en retour.</a:t>
+              <a:rPr lang="fr-FR" sz="2000" dirty="0"/>
+              <a:t>Le </a:t>
+            </a:r>
+            <a:r>
+              <a:rPr lang="fr-FR" sz="2000" dirty="0" err="1"/>
+              <a:t>mocking</a:t>
+            </a:r>
+            <a:r>
+              <a:rPr lang="fr-FR" sz="2000" dirty="0"/>
+              <a:t> est une technique qui permet de simuler le comportement d'un objet en injectant les arguments et en spécifiant quelle valeur on veut en retour.</a:t>
             </a:r>
           </a:p>
         </p:txBody>
@@ -23883,7 +25235,7 @@
         </p:nvSpPr>
         <p:spPr>
           <a:xfrm>
-            <a:off x="838200" y="365125"/>
+            <a:off x="760563" y="83107"/>
             <a:ext cx="10515600" cy="1325563"/>
           </a:xfrm>
           <a:prstGeom prst="rect">
@@ -23919,25 +25271,6 @@
               <a:t>Le cycle de développement</a:t>
             </a:r>
             <a:endParaRPr lang="fr-FR" dirty="0"/>
-          </a:p>
-        </p:txBody>
-      </p:sp>
-      <p:sp>
-        <p:nvSpPr>
-          <p:cNvPr id="4" name="Titre 3"/>
-          <p:cNvSpPr>
-            <a:spLocks noGrp="1"/>
-          </p:cNvSpPr>
-          <p:nvPr>
-            <p:ph type="title"/>
-          </p:nvPr>
-        </p:nvSpPr>
-        <p:spPr/>
-        <p:txBody>
-          <a:bodyPr/>
-          <a:lstStyle/>
-          <a:p>
-            <a:endParaRPr lang="fr-FR"/>
           </a:p>
         </p:txBody>
       </p:sp>
@@ -25072,6 +26405,1900 @@
     <p:extLst>
       <p:ext uri="{BB962C8B-B14F-4D97-AF65-F5344CB8AC3E}">
         <p14:creationId xmlns:p14="http://schemas.microsoft.com/office/powerpoint/2010/main" val="4014534853"/>
+      </p:ext>
+    </p:extLst>
+  </p:cSld>
+  <p:clrMapOvr>
+    <a:masterClrMapping/>
+  </p:clrMapOvr>
+</p:sld>
+</file>
+
+<file path=ppt/slides/slide51.xml><?xml version="1.0" encoding="utf-8"?>
+<p:sld xmlns:a="http://schemas.openxmlformats.org/drawingml/2006/main" xmlns:r="http://schemas.openxmlformats.org/officeDocument/2006/relationships" xmlns:p="http://schemas.openxmlformats.org/presentationml/2006/main">
+  <p:cSld>
+    <p:spTree>
+      <p:nvGrpSpPr>
+        <p:cNvPr id="1" name=""/>
+        <p:cNvGrpSpPr/>
+        <p:nvPr/>
+      </p:nvGrpSpPr>
+      <p:grpSpPr>
+        <a:xfrm>
+          <a:off x="0" y="0"/>
+          <a:ext cx="0" cy="0"/>
+          <a:chOff x="0" y="0"/>
+          <a:chExt cx="0" cy="0"/>
+        </a:xfrm>
+      </p:grpSpPr>
+      <p:sp>
+        <p:nvSpPr>
+          <p:cNvPr id="2" name="Titre 1"/>
+          <p:cNvSpPr>
+            <a:spLocks noGrp="1"/>
+          </p:cNvSpPr>
+          <p:nvPr>
+            <p:ph type="title"/>
+          </p:nvPr>
+        </p:nvSpPr>
+        <p:spPr/>
+        <p:txBody>
+          <a:bodyPr/>
+          <a:lstStyle/>
+          <a:p>
+            <a:r>
+              <a:rPr lang="fr-FR" dirty="0" smtClean="0"/>
+              <a:t>Test d’interface avec </a:t>
+            </a:r>
+            <a:endParaRPr lang="fr-FR" dirty="0"/>
+          </a:p>
+        </p:txBody>
+      </p:sp>
+      <p:pic>
+        <p:nvPicPr>
+          <p:cNvPr id="2052" name="Picture 4" descr="Résultat de recherche d'images"/>
+          <p:cNvPicPr>
+            <a:picLocks noGrp="1" noChangeAspect="1" noChangeArrowheads="1"/>
+          </p:cNvPicPr>
+          <p:nvPr>
+            <p:ph idx="1"/>
+          </p:nvPr>
+        </p:nvPicPr>
+        <p:blipFill>
+          <a:blip r:embed="rId2">
+            <a:extLst>
+              <a:ext uri="{28A0092B-C50C-407E-A947-70E740481C1C}">
+                <a14:useLocalDpi xmlns:a14="http://schemas.microsoft.com/office/drawing/2010/main" val="0"/>
+              </a:ext>
+            </a:extLst>
+          </a:blip>
+          <a:srcRect/>
+          <a:stretch>
+            <a:fillRect/>
+          </a:stretch>
+        </p:blipFill>
+        <p:spPr bwMode="auto">
+          <a:xfrm>
+            <a:off x="9438046" y="268595"/>
+            <a:ext cx="2113917" cy="1913095"/>
+          </a:xfrm>
+          <a:prstGeom prst="rect">
+            <a:avLst/>
+          </a:prstGeom>
+          <a:noFill/>
+          <a:extLst>
+            <a:ext uri="{909E8E84-426E-40DD-AFC4-6F175D3DCCD1}">
+              <a14:hiddenFill xmlns:a14="http://schemas.microsoft.com/office/drawing/2010/main">
+                <a:solidFill>
+                  <a:srgbClr val="FFFFFF"/>
+                </a:solidFill>
+              </a14:hiddenFill>
+            </a:ext>
+          </a:extLst>
+        </p:spPr>
+      </p:pic>
+      <p:sp>
+        <p:nvSpPr>
+          <p:cNvPr id="4" name="ZoneTexte 3"/>
+          <p:cNvSpPr txBox="1"/>
+          <p:nvPr/>
+        </p:nvSpPr>
+        <p:spPr>
+          <a:xfrm>
+            <a:off x="930875" y="2181690"/>
+            <a:ext cx="10074875" cy="2031325"/>
+          </a:xfrm>
+          <a:prstGeom prst="rect">
+            <a:avLst/>
+          </a:prstGeom>
+          <a:noFill/>
+        </p:spPr>
+        <p:txBody>
+          <a:bodyPr wrap="square" rtlCol="0">
+            <a:spAutoFit/>
+          </a:bodyPr>
+          <a:lstStyle/>
+          <a:p>
+            <a:pPr marL="342900" indent="-342900">
+              <a:buFont typeface="+mj-lt"/>
+              <a:buAutoNum type="arabicPeriod"/>
+            </a:pPr>
+            <a:r>
+              <a:rPr lang="fr-FR" dirty="0" smtClean="0"/>
+              <a:t>Créer un projet de test dans </a:t>
+            </a:r>
+            <a:r>
+              <a:rPr lang="fr-FR" dirty="0" err="1" smtClean="0"/>
+              <a:t>VisualStudio</a:t>
+            </a:r>
+            <a:endParaRPr lang="fr-FR" dirty="0" smtClean="0"/>
+          </a:p>
+          <a:p>
+            <a:pPr marL="342900" indent="-342900">
+              <a:buFont typeface="+mj-lt"/>
+              <a:buAutoNum type="arabicPeriod"/>
+            </a:pPr>
+            <a:r>
+              <a:rPr lang="fr-FR" dirty="0" smtClean="0"/>
+              <a:t>Installer les packages </a:t>
+            </a:r>
+            <a:r>
+              <a:rPr lang="fr-FR" dirty="0" err="1" smtClean="0"/>
+              <a:t>Nuget</a:t>
+            </a:r>
+            <a:r>
+              <a:rPr lang="fr-FR" dirty="0" smtClean="0"/>
+              <a:t> Suivant</a:t>
+            </a:r>
+          </a:p>
+          <a:p>
+            <a:pPr marL="800100" lvl="1" indent="-342900">
+              <a:buFont typeface="+mj-lt"/>
+              <a:buAutoNum type="arabicPeriod"/>
+            </a:pPr>
+            <a:r>
+              <a:rPr lang="fr-FR" dirty="0" err="1" smtClean="0"/>
+              <a:t>Selenium.WebDriver</a:t>
+            </a:r>
+            <a:endParaRPr lang="fr-FR" dirty="0" smtClean="0"/>
+          </a:p>
+          <a:p>
+            <a:pPr marL="800100" lvl="1" indent="-342900">
+              <a:buFont typeface="+mj-lt"/>
+              <a:buAutoNum type="arabicPeriod"/>
+            </a:pPr>
+            <a:r>
+              <a:rPr lang="fr-FR" dirty="0" err="1" smtClean="0"/>
+              <a:t>Selenium.WebDriver.ChromeDriver</a:t>
+            </a:r>
+            <a:endParaRPr lang="fr-FR" dirty="0" smtClean="0"/>
+          </a:p>
+          <a:p>
+            <a:pPr marL="342900" indent="-342900">
+              <a:buFont typeface="+mj-lt"/>
+              <a:buAutoNum type="arabicPeriod"/>
+            </a:pPr>
+            <a:r>
+              <a:rPr lang="fr-FR" dirty="0" smtClean="0"/>
+              <a:t>Télécharger le </a:t>
+            </a:r>
+            <a:r>
+              <a:rPr lang="fr-FR" dirty="0"/>
+              <a:t>drivers Chrome </a:t>
+            </a:r>
+            <a:r>
+              <a:rPr lang="fr-FR" dirty="0" smtClean="0"/>
+              <a:t>: </a:t>
+            </a:r>
+            <a:r>
+              <a:rPr lang="fr-FR" dirty="0" smtClean="0">
+                <a:hlinkClick r:id="rId3"/>
+              </a:rPr>
+              <a:t>http</a:t>
+            </a:r>
+            <a:r>
+              <a:rPr lang="fr-FR" dirty="0">
+                <a:hlinkClick r:id="rId3"/>
+              </a:rPr>
+              <a:t>://chromedriver.storage.googleapis.com/index.html</a:t>
+            </a:r>
+            <a:r>
+              <a:rPr lang="fr-FR" dirty="0" smtClean="0"/>
+              <a:t>.</a:t>
+            </a:r>
+          </a:p>
+          <a:p>
+            <a:pPr marL="342900" indent="-342900">
+              <a:buFont typeface="+mj-lt"/>
+              <a:buAutoNum type="arabicPeriod"/>
+            </a:pPr>
+            <a:r>
+              <a:rPr lang="fr-FR" dirty="0" smtClean="0"/>
+              <a:t>Placer le dans un répertoire</a:t>
+            </a:r>
+          </a:p>
+          <a:p>
+            <a:pPr marL="342900" indent="-342900">
+              <a:buFont typeface="+mj-lt"/>
+              <a:buAutoNum type="arabicPeriod"/>
+            </a:pPr>
+            <a:r>
+              <a:rPr lang="fr-FR" dirty="0" smtClean="0"/>
+              <a:t>Créer le tests suivant : </a:t>
+            </a:r>
+            <a:endParaRPr lang="fr-FR" dirty="0"/>
+          </a:p>
+        </p:txBody>
+      </p:sp>
+    </p:spTree>
+    <p:extLst>
+      <p:ext uri="{BB962C8B-B14F-4D97-AF65-F5344CB8AC3E}">
+        <p14:creationId xmlns:p14="http://schemas.microsoft.com/office/powerpoint/2010/main" val="619431632"/>
+      </p:ext>
+    </p:extLst>
+  </p:cSld>
+  <p:clrMapOvr>
+    <a:masterClrMapping/>
+  </p:clrMapOvr>
+</p:sld>
+</file>
+
+<file path=ppt/slides/slide52.xml><?xml version="1.0" encoding="utf-8"?>
+<p:sld xmlns:a="http://schemas.openxmlformats.org/drawingml/2006/main" xmlns:r="http://schemas.openxmlformats.org/officeDocument/2006/relationships" xmlns:p="http://schemas.openxmlformats.org/presentationml/2006/main">
+  <p:cSld>
+    <p:spTree>
+      <p:nvGrpSpPr>
+        <p:cNvPr id="1" name=""/>
+        <p:cNvGrpSpPr/>
+        <p:nvPr/>
+      </p:nvGrpSpPr>
+      <p:grpSpPr>
+        <a:xfrm>
+          <a:off x="0" y="0"/>
+          <a:ext cx="0" cy="0"/>
+          <a:chOff x="0" y="0"/>
+          <a:chExt cx="0" cy="0"/>
+        </a:xfrm>
+      </p:grpSpPr>
+      <p:sp>
+        <p:nvSpPr>
+          <p:cNvPr id="4" name="Rectangle 3"/>
+          <p:cNvSpPr/>
+          <p:nvPr/>
+        </p:nvSpPr>
+        <p:spPr>
+          <a:xfrm>
+            <a:off x="230660" y="387179"/>
+            <a:ext cx="11961340" cy="5355312"/>
+          </a:xfrm>
+          <a:prstGeom prst="rect">
+            <a:avLst/>
+          </a:prstGeom>
+        </p:spPr>
+        <p:txBody>
+          <a:bodyPr wrap="square">
+            <a:spAutoFit/>
+          </a:bodyPr>
+          <a:lstStyle/>
+          <a:p>
+            <a:r>
+              <a:rPr lang="fr-FR" b="1" dirty="0">
+                <a:solidFill>
+                  <a:srgbClr val="000080"/>
+                </a:solidFill>
+                <a:latin typeface="Courier New" panose="02070309020205020404" pitchFamily="49" charset="0"/>
+              </a:rPr>
+              <a:t>[</a:t>
+            </a:r>
+            <a:r>
+              <a:rPr lang="fr-FR" dirty="0" err="1">
+                <a:solidFill>
+                  <a:srgbClr val="000000"/>
+                </a:solidFill>
+                <a:latin typeface="Courier New" panose="02070309020205020404" pitchFamily="49" charset="0"/>
+              </a:rPr>
+              <a:t>TestClass</a:t>
+            </a:r>
+            <a:r>
+              <a:rPr lang="fr-FR" b="1" dirty="0">
+                <a:solidFill>
+                  <a:srgbClr val="000080"/>
+                </a:solidFill>
+                <a:latin typeface="Courier New" panose="02070309020205020404" pitchFamily="49" charset="0"/>
+              </a:rPr>
+              <a:t>]</a:t>
+            </a:r>
+            <a:r>
+              <a:rPr lang="fr-FR" dirty="0">
+                <a:solidFill>
+                  <a:srgbClr val="000000"/>
+                </a:solidFill>
+                <a:latin typeface="Courier New" panose="02070309020205020404" pitchFamily="49" charset="0"/>
+              </a:rPr>
+              <a:t> </a:t>
+            </a:r>
+            <a:endParaRPr lang="fr-FR" dirty="0" smtClean="0">
+              <a:solidFill>
+                <a:srgbClr val="000000"/>
+              </a:solidFill>
+              <a:latin typeface="Courier New" panose="02070309020205020404" pitchFamily="49" charset="0"/>
+            </a:endParaRPr>
+          </a:p>
+          <a:p>
+            <a:r>
+              <a:rPr lang="fr-FR" b="1" dirty="0" smtClean="0">
+                <a:solidFill>
+                  <a:srgbClr val="0000FF"/>
+                </a:solidFill>
+                <a:latin typeface="Courier New" panose="02070309020205020404" pitchFamily="49" charset="0"/>
+              </a:rPr>
+              <a:t>public</a:t>
+            </a:r>
+            <a:r>
+              <a:rPr lang="fr-FR" dirty="0" smtClean="0">
+                <a:solidFill>
+                  <a:srgbClr val="000000"/>
+                </a:solidFill>
+                <a:latin typeface="Courier New" panose="02070309020205020404" pitchFamily="49" charset="0"/>
+              </a:rPr>
+              <a:t> </a:t>
+            </a:r>
+            <a:r>
+              <a:rPr lang="fr-FR" dirty="0">
+                <a:solidFill>
+                  <a:srgbClr val="8000FF"/>
+                </a:solidFill>
+                <a:latin typeface="Courier New" panose="02070309020205020404" pitchFamily="49" charset="0"/>
+              </a:rPr>
+              <a:t>class</a:t>
+            </a:r>
+            <a:r>
+              <a:rPr lang="fr-FR" dirty="0">
+                <a:solidFill>
+                  <a:srgbClr val="000000"/>
+                </a:solidFill>
+                <a:latin typeface="Courier New" panose="02070309020205020404" pitchFamily="49" charset="0"/>
+              </a:rPr>
+              <a:t> UnitTest1 </a:t>
+            </a:r>
+            <a:endParaRPr lang="fr-FR" dirty="0" smtClean="0">
+              <a:solidFill>
+                <a:srgbClr val="000000"/>
+              </a:solidFill>
+              <a:latin typeface="Courier New" panose="02070309020205020404" pitchFamily="49" charset="0"/>
+            </a:endParaRPr>
+          </a:p>
+          <a:p>
+            <a:r>
+              <a:rPr lang="fr-FR" b="1" dirty="0" smtClean="0">
+                <a:solidFill>
+                  <a:srgbClr val="000080"/>
+                </a:solidFill>
+                <a:latin typeface="Courier New" panose="02070309020205020404" pitchFamily="49" charset="0"/>
+              </a:rPr>
+              <a:t>{</a:t>
+            </a:r>
+            <a:r>
+              <a:rPr lang="fr-FR" dirty="0" smtClean="0">
+                <a:solidFill>
+                  <a:srgbClr val="000000"/>
+                </a:solidFill>
+                <a:latin typeface="Courier New" panose="02070309020205020404" pitchFamily="49" charset="0"/>
+              </a:rPr>
+              <a:t> </a:t>
+            </a:r>
+          </a:p>
+          <a:p>
+            <a:r>
+              <a:rPr lang="fr-FR" b="1" dirty="0">
+                <a:solidFill>
+                  <a:srgbClr val="000000"/>
+                </a:solidFill>
+                <a:latin typeface="Courier New" panose="02070309020205020404" pitchFamily="49" charset="0"/>
+              </a:rPr>
+              <a:t>	</a:t>
+            </a:r>
+            <a:r>
+              <a:rPr lang="fr-FR" b="1" dirty="0" err="1" smtClean="0">
+                <a:solidFill>
+                  <a:srgbClr val="0000FF"/>
+                </a:solidFill>
+                <a:latin typeface="Courier New" panose="02070309020205020404" pitchFamily="49" charset="0"/>
+              </a:rPr>
+              <a:t>private</a:t>
+            </a:r>
+            <a:r>
+              <a:rPr lang="fr-FR" dirty="0" smtClean="0">
+                <a:solidFill>
+                  <a:srgbClr val="000000"/>
+                </a:solidFill>
+                <a:latin typeface="Courier New" panose="02070309020205020404" pitchFamily="49" charset="0"/>
+              </a:rPr>
+              <a:t> </a:t>
+            </a:r>
+            <a:r>
+              <a:rPr lang="fr-FR" dirty="0" err="1">
+                <a:solidFill>
+                  <a:srgbClr val="8000FF"/>
+                </a:solidFill>
+                <a:latin typeface="Courier New" panose="02070309020205020404" pitchFamily="49" charset="0"/>
+              </a:rPr>
+              <a:t>static</a:t>
+            </a:r>
+            <a:r>
+              <a:rPr lang="fr-FR" dirty="0">
+                <a:solidFill>
+                  <a:srgbClr val="000000"/>
+                </a:solidFill>
+                <a:latin typeface="Courier New" panose="02070309020205020404" pitchFamily="49" charset="0"/>
+              </a:rPr>
+              <a:t> </a:t>
+            </a:r>
+            <a:r>
+              <a:rPr lang="fr-FR" dirty="0" err="1">
+                <a:solidFill>
+                  <a:srgbClr val="000000"/>
+                </a:solidFill>
+                <a:latin typeface="Courier New" panose="02070309020205020404" pitchFamily="49" charset="0"/>
+              </a:rPr>
+              <a:t>IWebDriver</a:t>
+            </a:r>
+            <a:r>
+              <a:rPr lang="fr-FR" dirty="0">
+                <a:solidFill>
+                  <a:srgbClr val="000000"/>
+                </a:solidFill>
+                <a:latin typeface="Courier New" panose="02070309020205020404" pitchFamily="49" charset="0"/>
+              </a:rPr>
+              <a:t> _</a:t>
+            </a:r>
+            <a:r>
+              <a:rPr lang="fr-FR" dirty="0" err="1">
+                <a:solidFill>
+                  <a:srgbClr val="000000"/>
+                </a:solidFill>
+                <a:latin typeface="Courier New" panose="02070309020205020404" pitchFamily="49" charset="0"/>
+              </a:rPr>
+              <a:t>driverChrome</a:t>
+            </a:r>
+            <a:r>
+              <a:rPr lang="fr-FR" b="1" dirty="0">
+                <a:solidFill>
+                  <a:srgbClr val="000080"/>
+                </a:solidFill>
+                <a:latin typeface="Courier New" panose="02070309020205020404" pitchFamily="49" charset="0"/>
+              </a:rPr>
+              <a:t>;</a:t>
+            </a:r>
+            <a:r>
+              <a:rPr lang="fr-FR" dirty="0">
+                <a:solidFill>
+                  <a:srgbClr val="000000"/>
+                </a:solidFill>
+                <a:latin typeface="Courier New" panose="02070309020205020404" pitchFamily="49" charset="0"/>
+              </a:rPr>
+              <a:t> </a:t>
+            </a:r>
+            <a:endParaRPr lang="fr-FR" dirty="0" smtClean="0">
+              <a:solidFill>
+                <a:srgbClr val="000000"/>
+              </a:solidFill>
+              <a:latin typeface="Courier New" panose="02070309020205020404" pitchFamily="49" charset="0"/>
+            </a:endParaRPr>
+          </a:p>
+          <a:p>
+            <a:endParaRPr lang="fr-FR" b="1" dirty="0">
+              <a:solidFill>
+                <a:srgbClr val="000000"/>
+              </a:solidFill>
+              <a:latin typeface="Courier New" panose="02070309020205020404" pitchFamily="49" charset="0"/>
+            </a:endParaRPr>
+          </a:p>
+          <a:p>
+            <a:r>
+              <a:rPr lang="fr-FR" b="1" dirty="0" smtClean="0">
+                <a:solidFill>
+                  <a:srgbClr val="000000"/>
+                </a:solidFill>
+                <a:latin typeface="Courier New" panose="02070309020205020404" pitchFamily="49" charset="0"/>
+              </a:rPr>
+              <a:t>	</a:t>
+            </a:r>
+            <a:r>
+              <a:rPr lang="fr-FR" b="1" dirty="0" smtClean="0">
+                <a:solidFill>
+                  <a:srgbClr val="000080"/>
+                </a:solidFill>
+                <a:latin typeface="Courier New" panose="02070309020205020404" pitchFamily="49" charset="0"/>
+              </a:rPr>
+              <a:t>[</a:t>
+            </a:r>
+            <a:r>
+              <a:rPr lang="fr-FR" dirty="0" err="1">
+                <a:solidFill>
+                  <a:srgbClr val="000000"/>
+                </a:solidFill>
+                <a:latin typeface="Courier New" panose="02070309020205020404" pitchFamily="49" charset="0"/>
+              </a:rPr>
+              <a:t>ClassInitialize</a:t>
+            </a:r>
+            <a:r>
+              <a:rPr lang="fr-FR" b="1" dirty="0">
+                <a:solidFill>
+                  <a:srgbClr val="000080"/>
+                </a:solidFill>
+                <a:latin typeface="Courier New" panose="02070309020205020404" pitchFamily="49" charset="0"/>
+              </a:rPr>
+              <a:t>]</a:t>
+            </a:r>
+            <a:r>
+              <a:rPr lang="fr-FR" dirty="0">
+                <a:solidFill>
+                  <a:srgbClr val="000000"/>
+                </a:solidFill>
+                <a:latin typeface="Courier New" panose="02070309020205020404" pitchFamily="49" charset="0"/>
+              </a:rPr>
+              <a:t> </a:t>
+            </a:r>
+            <a:endParaRPr lang="fr-FR" dirty="0" smtClean="0">
+              <a:solidFill>
+                <a:srgbClr val="000000"/>
+              </a:solidFill>
+              <a:latin typeface="Courier New" panose="02070309020205020404" pitchFamily="49" charset="0"/>
+            </a:endParaRPr>
+          </a:p>
+          <a:p>
+            <a:r>
+              <a:rPr lang="fr-FR" b="1" dirty="0">
+                <a:solidFill>
+                  <a:srgbClr val="000000"/>
+                </a:solidFill>
+                <a:latin typeface="Courier New" panose="02070309020205020404" pitchFamily="49" charset="0"/>
+              </a:rPr>
+              <a:t>	</a:t>
+            </a:r>
+            <a:r>
+              <a:rPr lang="fr-FR" b="1" dirty="0" smtClean="0">
+                <a:solidFill>
+                  <a:srgbClr val="0000FF"/>
+                </a:solidFill>
+                <a:latin typeface="Courier New" panose="02070309020205020404" pitchFamily="49" charset="0"/>
+              </a:rPr>
+              <a:t>public</a:t>
+            </a:r>
+            <a:r>
+              <a:rPr lang="fr-FR" dirty="0" smtClean="0">
+                <a:solidFill>
+                  <a:srgbClr val="000000"/>
+                </a:solidFill>
+                <a:latin typeface="Courier New" panose="02070309020205020404" pitchFamily="49" charset="0"/>
+              </a:rPr>
+              <a:t> </a:t>
+            </a:r>
+            <a:r>
+              <a:rPr lang="fr-FR" dirty="0" err="1">
+                <a:solidFill>
+                  <a:srgbClr val="8000FF"/>
+                </a:solidFill>
+                <a:latin typeface="Courier New" panose="02070309020205020404" pitchFamily="49" charset="0"/>
+              </a:rPr>
+              <a:t>static</a:t>
+            </a:r>
+            <a:r>
+              <a:rPr lang="fr-FR" dirty="0">
+                <a:solidFill>
+                  <a:srgbClr val="000000"/>
+                </a:solidFill>
+                <a:latin typeface="Courier New" panose="02070309020205020404" pitchFamily="49" charset="0"/>
+              </a:rPr>
+              <a:t> </a:t>
+            </a:r>
+            <a:r>
+              <a:rPr lang="fr-FR" dirty="0" err="1">
+                <a:solidFill>
+                  <a:srgbClr val="8000FF"/>
+                </a:solidFill>
+                <a:latin typeface="Courier New" panose="02070309020205020404" pitchFamily="49" charset="0"/>
+              </a:rPr>
+              <a:t>void</a:t>
+            </a:r>
+            <a:r>
+              <a:rPr lang="fr-FR" dirty="0">
+                <a:solidFill>
+                  <a:srgbClr val="000000"/>
+                </a:solidFill>
+                <a:latin typeface="Courier New" panose="02070309020205020404" pitchFamily="49" charset="0"/>
+              </a:rPr>
+              <a:t> </a:t>
+            </a:r>
+            <a:r>
+              <a:rPr lang="fr-FR" dirty="0" smtClean="0">
+                <a:solidFill>
+                  <a:srgbClr val="000000"/>
+                </a:solidFill>
+                <a:latin typeface="Courier New" panose="02070309020205020404" pitchFamily="49" charset="0"/>
+              </a:rPr>
+              <a:t>	</a:t>
+            </a:r>
+            <a:r>
+              <a:rPr lang="fr-FR" dirty="0" err="1" smtClean="0">
+                <a:solidFill>
+                  <a:srgbClr val="000000"/>
+                </a:solidFill>
+                <a:latin typeface="Courier New" panose="02070309020205020404" pitchFamily="49" charset="0"/>
+              </a:rPr>
+              <a:t>Init</a:t>
+            </a:r>
+            <a:r>
+              <a:rPr lang="fr-FR" b="1" dirty="0" smtClean="0">
+                <a:solidFill>
+                  <a:srgbClr val="000080"/>
+                </a:solidFill>
+                <a:latin typeface="Courier New" panose="02070309020205020404" pitchFamily="49" charset="0"/>
+              </a:rPr>
+              <a:t>(</a:t>
+            </a:r>
+            <a:r>
+              <a:rPr lang="fr-FR" dirty="0" err="1" smtClean="0">
+                <a:solidFill>
+                  <a:srgbClr val="000000"/>
+                </a:solidFill>
+                <a:latin typeface="Courier New" panose="02070309020205020404" pitchFamily="49" charset="0"/>
+              </a:rPr>
+              <a:t>TestContext</a:t>
+            </a:r>
+            <a:r>
+              <a:rPr lang="fr-FR" dirty="0" smtClean="0">
+                <a:solidFill>
+                  <a:srgbClr val="000000"/>
+                </a:solidFill>
+                <a:latin typeface="Courier New" panose="02070309020205020404" pitchFamily="49" charset="0"/>
+              </a:rPr>
+              <a:t> </a:t>
+            </a:r>
+            <a:r>
+              <a:rPr lang="fr-FR" dirty="0" err="1">
+                <a:solidFill>
+                  <a:srgbClr val="000000"/>
+                </a:solidFill>
+                <a:latin typeface="Courier New" panose="02070309020205020404" pitchFamily="49" charset="0"/>
+              </a:rPr>
+              <a:t>context</a:t>
+            </a:r>
+            <a:r>
+              <a:rPr lang="fr-FR" b="1" dirty="0">
+                <a:solidFill>
+                  <a:srgbClr val="000080"/>
+                </a:solidFill>
+                <a:latin typeface="Courier New" panose="02070309020205020404" pitchFamily="49" charset="0"/>
+              </a:rPr>
+              <a:t>)</a:t>
+            </a:r>
+            <a:r>
+              <a:rPr lang="fr-FR" dirty="0">
+                <a:solidFill>
+                  <a:srgbClr val="000000"/>
+                </a:solidFill>
+                <a:latin typeface="Courier New" panose="02070309020205020404" pitchFamily="49" charset="0"/>
+              </a:rPr>
+              <a:t> </a:t>
+            </a:r>
+            <a:endParaRPr lang="fr-FR" dirty="0" smtClean="0">
+              <a:solidFill>
+                <a:srgbClr val="000000"/>
+              </a:solidFill>
+              <a:latin typeface="Courier New" panose="02070309020205020404" pitchFamily="49" charset="0"/>
+            </a:endParaRPr>
+          </a:p>
+          <a:p>
+            <a:r>
+              <a:rPr lang="fr-FR" b="1" dirty="0">
+                <a:solidFill>
+                  <a:srgbClr val="000000"/>
+                </a:solidFill>
+                <a:latin typeface="Courier New" panose="02070309020205020404" pitchFamily="49" charset="0"/>
+              </a:rPr>
+              <a:t>	</a:t>
+            </a:r>
+            <a:r>
+              <a:rPr lang="fr-FR" b="1" dirty="0" smtClean="0">
+                <a:solidFill>
+                  <a:srgbClr val="000080"/>
+                </a:solidFill>
+                <a:latin typeface="Courier New" panose="02070309020205020404" pitchFamily="49" charset="0"/>
+              </a:rPr>
+              <a:t>{</a:t>
+            </a:r>
+            <a:r>
+              <a:rPr lang="fr-FR" dirty="0" smtClean="0">
+                <a:solidFill>
+                  <a:srgbClr val="000000"/>
+                </a:solidFill>
+                <a:latin typeface="Courier New" panose="02070309020205020404" pitchFamily="49" charset="0"/>
+              </a:rPr>
+              <a:t> </a:t>
+            </a:r>
+          </a:p>
+          <a:p>
+            <a:r>
+              <a:rPr lang="fr-FR" dirty="0">
+                <a:solidFill>
+                  <a:srgbClr val="000000"/>
+                </a:solidFill>
+                <a:latin typeface="Courier New" panose="02070309020205020404" pitchFamily="49" charset="0"/>
+              </a:rPr>
+              <a:t>	</a:t>
+            </a:r>
+            <a:r>
+              <a:rPr lang="fr-FR" dirty="0" smtClean="0">
+                <a:solidFill>
+                  <a:srgbClr val="000000"/>
+                </a:solidFill>
+                <a:latin typeface="Courier New" panose="02070309020205020404" pitchFamily="49" charset="0"/>
+              </a:rPr>
+              <a:t>	_</a:t>
+            </a:r>
+            <a:r>
+              <a:rPr lang="fr-FR" dirty="0" err="1">
+                <a:solidFill>
+                  <a:srgbClr val="000000"/>
+                </a:solidFill>
+                <a:latin typeface="Courier New" panose="02070309020205020404" pitchFamily="49" charset="0"/>
+              </a:rPr>
+              <a:t>driverChrome</a:t>
+            </a:r>
+            <a:r>
+              <a:rPr lang="fr-FR" dirty="0">
+                <a:solidFill>
+                  <a:srgbClr val="000000"/>
+                </a:solidFill>
+                <a:latin typeface="Courier New" panose="02070309020205020404" pitchFamily="49" charset="0"/>
+              </a:rPr>
+              <a:t> </a:t>
+            </a:r>
+            <a:r>
+              <a:rPr lang="fr-FR" b="1" dirty="0">
+                <a:solidFill>
+                  <a:srgbClr val="000080"/>
+                </a:solidFill>
+                <a:latin typeface="Courier New" panose="02070309020205020404" pitchFamily="49" charset="0"/>
+              </a:rPr>
+              <a:t>=</a:t>
+            </a:r>
+            <a:r>
+              <a:rPr lang="fr-FR" dirty="0">
+                <a:solidFill>
+                  <a:srgbClr val="000000"/>
+                </a:solidFill>
+                <a:latin typeface="Courier New" panose="02070309020205020404" pitchFamily="49" charset="0"/>
+              </a:rPr>
+              <a:t> </a:t>
+            </a:r>
+            <a:r>
+              <a:rPr lang="fr-FR" b="1" dirty="0">
+                <a:solidFill>
+                  <a:srgbClr val="0000FF"/>
+                </a:solidFill>
+                <a:latin typeface="Courier New" panose="02070309020205020404" pitchFamily="49" charset="0"/>
+              </a:rPr>
+              <a:t>new</a:t>
+            </a:r>
+            <a:r>
+              <a:rPr lang="fr-FR" dirty="0">
+                <a:solidFill>
+                  <a:srgbClr val="000000"/>
+                </a:solidFill>
+                <a:latin typeface="Courier New" panose="02070309020205020404" pitchFamily="49" charset="0"/>
+              </a:rPr>
+              <a:t> </a:t>
+            </a:r>
+            <a:r>
+              <a:rPr lang="fr-FR" dirty="0" err="1">
+                <a:solidFill>
+                  <a:srgbClr val="000000"/>
+                </a:solidFill>
+                <a:latin typeface="Courier New" panose="02070309020205020404" pitchFamily="49" charset="0"/>
+              </a:rPr>
+              <a:t>ChromeDriver</a:t>
+            </a:r>
+            <a:r>
+              <a:rPr lang="fr-FR" b="1" dirty="0">
+                <a:solidFill>
+                  <a:srgbClr val="000080"/>
+                </a:solidFill>
+                <a:latin typeface="Courier New" panose="02070309020205020404" pitchFamily="49" charset="0"/>
+              </a:rPr>
+              <a:t>(</a:t>
+            </a:r>
+            <a:r>
+              <a:rPr lang="fr-FR" dirty="0">
+                <a:solidFill>
+                  <a:srgbClr val="000000"/>
+                </a:solidFill>
+                <a:latin typeface="Courier New" panose="02070309020205020404" pitchFamily="49" charset="0"/>
+              </a:rPr>
+              <a:t>@"C</a:t>
+            </a:r>
+            <a:r>
+              <a:rPr lang="fr-FR" dirty="0" smtClean="0">
+                <a:solidFill>
+                  <a:srgbClr val="000000"/>
+                </a:solidFill>
+                <a:latin typeface="Courier New" panose="02070309020205020404" pitchFamily="49" charset="0"/>
+              </a:rPr>
+              <a:t>:\MonRep"</a:t>
+            </a:r>
+            <a:r>
+              <a:rPr lang="fr-FR" b="1" dirty="0" smtClean="0">
+                <a:solidFill>
+                  <a:srgbClr val="000080"/>
+                </a:solidFill>
+                <a:latin typeface="Courier New" panose="02070309020205020404" pitchFamily="49" charset="0"/>
+              </a:rPr>
+              <a:t>);</a:t>
+            </a:r>
+            <a:r>
+              <a:rPr lang="fr-FR" dirty="0" smtClean="0">
+                <a:solidFill>
+                  <a:srgbClr val="000000"/>
+                </a:solidFill>
+                <a:latin typeface="Courier New" panose="02070309020205020404" pitchFamily="49" charset="0"/>
+              </a:rPr>
+              <a:t> </a:t>
+            </a:r>
+          </a:p>
+          <a:p>
+            <a:r>
+              <a:rPr lang="fr-FR" b="1" dirty="0">
+                <a:solidFill>
+                  <a:srgbClr val="000000"/>
+                </a:solidFill>
+                <a:latin typeface="Courier New" panose="02070309020205020404" pitchFamily="49" charset="0"/>
+              </a:rPr>
+              <a:t>	</a:t>
+            </a:r>
+            <a:r>
+              <a:rPr lang="fr-FR" b="1" dirty="0" smtClean="0">
+                <a:solidFill>
+                  <a:srgbClr val="000080"/>
+                </a:solidFill>
+                <a:latin typeface="Courier New" panose="02070309020205020404" pitchFamily="49" charset="0"/>
+              </a:rPr>
+              <a:t>}</a:t>
+            </a:r>
+            <a:r>
+              <a:rPr lang="fr-FR" dirty="0" smtClean="0">
+                <a:solidFill>
+                  <a:srgbClr val="000000"/>
+                </a:solidFill>
+                <a:latin typeface="Courier New" panose="02070309020205020404" pitchFamily="49" charset="0"/>
+              </a:rPr>
+              <a:t> </a:t>
+            </a:r>
+          </a:p>
+          <a:p>
+            <a:endParaRPr lang="fr-FR" b="1" dirty="0">
+              <a:solidFill>
+                <a:srgbClr val="000000"/>
+              </a:solidFill>
+              <a:latin typeface="Courier New" panose="02070309020205020404" pitchFamily="49" charset="0"/>
+            </a:endParaRPr>
+          </a:p>
+          <a:p>
+            <a:r>
+              <a:rPr lang="fr-FR" b="1" dirty="0" smtClean="0">
+                <a:solidFill>
+                  <a:srgbClr val="000080"/>
+                </a:solidFill>
+                <a:latin typeface="Courier New" panose="02070309020205020404" pitchFamily="49" charset="0"/>
+              </a:rPr>
+              <a:t>	[</a:t>
+            </a:r>
+            <a:r>
+              <a:rPr lang="fr-FR" dirty="0" err="1">
+                <a:solidFill>
+                  <a:srgbClr val="000000"/>
+                </a:solidFill>
+                <a:latin typeface="Courier New" panose="02070309020205020404" pitchFamily="49" charset="0"/>
+              </a:rPr>
+              <a:t>TestMethod</a:t>
+            </a:r>
+            <a:r>
+              <a:rPr lang="fr-FR" b="1" dirty="0">
+                <a:solidFill>
+                  <a:srgbClr val="000080"/>
+                </a:solidFill>
+                <a:latin typeface="Courier New" panose="02070309020205020404" pitchFamily="49" charset="0"/>
+              </a:rPr>
+              <a:t>]</a:t>
+            </a:r>
+            <a:r>
+              <a:rPr lang="fr-FR" dirty="0">
+                <a:solidFill>
+                  <a:srgbClr val="000000"/>
+                </a:solidFill>
+                <a:latin typeface="Courier New" panose="02070309020205020404" pitchFamily="49" charset="0"/>
+              </a:rPr>
+              <a:t> </a:t>
+            </a:r>
+            <a:endParaRPr lang="fr-FR" dirty="0" smtClean="0">
+              <a:solidFill>
+                <a:srgbClr val="000000"/>
+              </a:solidFill>
+              <a:latin typeface="Courier New" panose="02070309020205020404" pitchFamily="49" charset="0"/>
+            </a:endParaRPr>
+          </a:p>
+          <a:p>
+            <a:r>
+              <a:rPr lang="fr-FR" b="1" dirty="0" smtClean="0">
+                <a:solidFill>
+                  <a:srgbClr val="0000FF"/>
+                </a:solidFill>
+                <a:latin typeface="Courier New" panose="02070309020205020404" pitchFamily="49" charset="0"/>
+              </a:rPr>
+              <a:t>	public</a:t>
+            </a:r>
+            <a:r>
+              <a:rPr lang="fr-FR" dirty="0" smtClean="0">
+                <a:solidFill>
+                  <a:srgbClr val="000000"/>
+                </a:solidFill>
+                <a:latin typeface="Courier New" panose="02070309020205020404" pitchFamily="49" charset="0"/>
+              </a:rPr>
+              <a:t> </a:t>
+            </a:r>
+            <a:r>
+              <a:rPr lang="fr-FR" dirty="0" err="1">
+                <a:solidFill>
+                  <a:srgbClr val="8000FF"/>
+                </a:solidFill>
+                <a:latin typeface="Courier New" panose="02070309020205020404" pitchFamily="49" charset="0"/>
+              </a:rPr>
+              <a:t>void</a:t>
+            </a:r>
+            <a:r>
+              <a:rPr lang="fr-FR" dirty="0">
+                <a:solidFill>
+                  <a:srgbClr val="000000"/>
+                </a:solidFill>
+                <a:latin typeface="Courier New" panose="02070309020205020404" pitchFamily="49" charset="0"/>
+              </a:rPr>
+              <a:t> TestMethod1</a:t>
+            </a:r>
+            <a:r>
+              <a:rPr lang="fr-FR" b="1" dirty="0">
+                <a:solidFill>
+                  <a:srgbClr val="000080"/>
+                </a:solidFill>
+                <a:latin typeface="Courier New" panose="02070309020205020404" pitchFamily="49" charset="0"/>
+              </a:rPr>
+              <a:t>()</a:t>
+            </a:r>
+            <a:r>
+              <a:rPr lang="fr-FR" dirty="0">
+                <a:solidFill>
+                  <a:srgbClr val="000000"/>
+                </a:solidFill>
+                <a:latin typeface="Courier New" panose="02070309020205020404" pitchFamily="49" charset="0"/>
+              </a:rPr>
+              <a:t> </a:t>
+            </a:r>
+            <a:endParaRPr lang="fr-FR" dirty="0" smtClean="0">
+              <a:solidFill>
+                <a:srgbClr val="000000"/>
+              </a:solidFill>
+              <a:latin typeface="Courier New" panose="02070309020205020404" pitchFamily="49" charset="0"/>
+            </a:endParaRPr>
+          </a:p>
+          <a:p>
+            <a:r>
+              <a:rPr lang="fr-FR" b="1" dirty="0" smtClean="0">
+                <a:solidFill>
+                  <a:srgbClr val="000080"/>
+                </a:solidFill>
+                <a:latin typeface="Courier New" panose="02070309020205020404" pitchFamily="49" charset="0"/>
+              </a:rPr>
+              <a:t>	{</a:t>
+            </a:r>
+            <a:r>
+              <a:rPr lang="fr-FR" dirty="0" smtClean="0">
+                <a:solidFill>
+                  <a:srgbClr val="000000"/>
+                </a:solidFill>
+                <a:latin typeface="Courier New" panose="02070309020205020404" pitchFamily="49" charset="0"/>
+              </a:rPr>
+              <a:t> </a:t>
+            </a:r>
+          </a:p>
+          <a:p>
+            <a:r>
+              <a:rPr lang="fr-FR" dirty="0">
+                <a:solidFill>
+                  <a:srgbClr val="000000"/>
+                </a:solidFill>
+                <a:latin typeface="Courier New" panose="02070309020205020404" pitchFamily="49" charset="0"/>
+              </a:rPr>
+              <a:t>	</a:t>
+            </a:r>
+            <a:r>
+              <a:rPr lang="fr-FR" dirty="0" smtClean="0">
+                <a:solidFill>
+                  <a:srgbClr val="000000"/>
+                </a:solidFill>
+                <a:latin typeface="Courier New" panose="02070309020205020404" pitchFamily="49" charset="0"/>
+              </a:rPr>
+              <a:t>	_</a:t>
+            </a:r>
+            <a:r>
+              <a:rPr lang="fr-FR" dirty="0" err="1">
+                <a:solidFill>
+                  <a:srgbClr val="000000"/>
+                </a:solidFill>
+                <a:latin typeface="Courier New" panose="02070309020205020404" pitchFamily="49" charset="0"/>
+              </a:rPr>
+              <a:t>driverChrome</a:t>
+            </a:r>
+            <a:r>
+              <a:rPr lang="fr-FR" b="1" dirty="0" err="1">
+                <a:solidFill>
+                  <a:srgbClr val="000080"/>
+                </a:solidFill>
+                <a:latin typeface="Courier New" panose="02070309020205020404" pitchFamily="49" charset="0"/>
+              </a:rPr>
+              <a:t>.</a:t>
+            </a:r>
+            <a:r>
+              <a:rPr lang="fr-FR" dirty="0" err="1">
+                <a:solidFill>
+                  <a:srgbClr val="000000"/>
+                </a:solidFill>
+                <a:latin typeface="Courier New" panose="02070309020205020404" pitchFamily="49" charset="0"/>
+              </a:rPr>
+              <a:t>Navigate</a:t>
+            </a:r>
+            <a:r>
+              <a:rPr lang="fr-FR" b="1" dirty="0">
+                <a:solidFill>
+                  <a:srgbClr val="000080"/>
+                </a:solidFill>
+                <a:latin typeface="Courier New" panose="02070309020205020404" pitchFamily="49" charset="0"/>
+              </a:rPr>
+              <a:t>().</a:t>
+            </a:r>
+            <a:r>
+              <a:rPr lang="fr-FR" dirty="0" err="1">
+                <a:solidFill>
+                  <a:srgbClr val="000000"/>
+                </a:solidFill>
+                <a:latin typeface="Courier New" panose="02070309020205020404" pitchFamily="49" charset="0"/>
+              </a:rPr>
+              <a:t>GoToUrl</a:t>
+            </a:r>
+            <a:r>
+              <a:rPr lang="fr-FR" b="1" dirty="0">
+                <a:solidFill>
+                  <a:srgbClr val="000080"/>
+                </a:solidFill>
+                <a:latin typeface="Courier New" panose="02070309020205020404" pitchFamily="49" charset="0"/>
+              </a:rPr>
+              <a:t>(</a:t>
+            </a:r>
+            <a:r>
+              <a:rPr lang="fr-FR" dirty="0">
+                <a:solidFill>
+                  <a:srgbClr val="808080"/>
+                </a:solidFill>
+                <a:latin typeface="Courier New" panose="02070309020205020404" pitchFamily="49" charset="0"/>
+              </a:rPr>
+              <a:t>"https://www.google.com"</a:t>
+            </a:r>
+            <a:r>
+              <a:rPr lang="fr-FR" b="1" dirty="0">
+                <a:solidFill>
+                  <a:srgbClr val="000080"/>
+                </a:solidFill>
+                <a:latin typeface="Courier New" panose="02070309020205020404" pitchFamily="49" charset="0"/>
+              </a:rPr>
+              <a:t>);</a:t>
+            </a:r>
+            <a:r>
+              <a:rPr lang="fr-FR" dirty="0">
+                <a:solidFill>
+                  <a:srgbClr val="000000"/>
+                </a:solidFill>
+                <a:latin typeface="Courier New" panose="02070309020205020404" pitchFamily="49" charset="0"/>
+              </a:rPr>
+              <a:t> </a:t>
+            </a:r>
+            <a:r>
+              <a:rPr lang="fr-FR" dirty="0" smtClean="0">
+                <a:solidFill>
+                  <a:srgbClr val="000000"/>
+                </a:solidFill>
+                <a:latin typeface="Courier New" panose="02070309020205020404" pitchFamily="49" charset="0"/>
+              </a:rPr>
+              <a:t>				_</a:t>
+            </a:r>
+            <a:r>
+              <a:rPr lang="fr-FR" dirty="0" err="1">
+                <a:solidFill>
+                  <a:srgbClr val="000000"/>
+                </a:solidFill>
+                <a:latin typeface="Courier New" panose="02070309020205020404" pitchFamily="49" charset="0"/>
+              </a:rPr>
+              <a:t>driverChrome</a:t>
+            </a:r>
+            <a:r>
+              <a:rPr lang="fr-FR" b="1" dirty="0" err="1">
+                <a:solidFill>
+                  <a:srgbClr val="000080"/>
+                </a:solidFill>
+                <a:latin typeface="Courier New" panose="02070309020205020404" pitchFamily="49" charset="0"/>
+              </a:rPr>
+              <a:t>.</a:t>
+            </a:r>
+            <a:r>
+              <a:rPr lang="fr-FR" dirty="0" err="1">
+                <a:solidFill>
+                  <a:srgbClr val="000000"/>
+                </a:solidFill>
+                <a:latin typeface="Courier New" panose="02070309020205020404" pitchFamily="49" charset="0"/>
+              </a:rPr>
+              <a:t>FindElement</a:t>
+            </a:r>
+            <a:r>
+              <a:rPr lang="fr-FR" b="1" dirty="0">
+                <a:solidFill>
+                  <a:srgbClr val="000080"/>
+                </a:solidFill>
+                <a:latin typeface="Courier New" panose="02070309020205020404" pitchFamily="49" charset="0"/>
+              </a:rPr>
+              <a:t>(</a:t>
+            </a:r>
+            <a:r>
+              <a:rPr lang="fr-FR" dirty="0" err="1">
+                <a:solidFill>
+                  <a:srgbClr val="000000"/>
+                </a:solidFill>
+                <a:latin typeface="Courier New" panose="02070309020205020404" pitchFamily="49" charset="0"/>
+              </a:rPr>
+              <a:t>By</a:t>
+            </a:r>
+            <a:r>
+              <a:rPr lang="fr-FR" b="1" dirty="0" err="1">
+                <a:solidFill>
+                  <a:srgbClr val="000080"/>
+                </a:solidFill>
+                <a:latin typeface="Courier New" panose="02070309020205020404" pitchFamily="49" charset="0"/>
+              </a:rPr>
+              <a:t>.</a:t>
+            </a:r>
+            <a:r>
+              <a:rPr lang="fr-FR" dirty="0" err="1">
+                <a:solidFill>
+                  <a:srgbClr val="000000"/>
+                </a:solidFill>
+                <a:latin typeface="Courier New" panose="02070309020205020404" pitchFamily="49" charset="0"/>
+              </a:rPr>
+              <a:t>Id</a:t>
+            </a:r>
+            <a:r>
+              <a:rPr lang="fr-FR" b="1" dirty="0">
+                <a:solidFill>
+                  <a:srgbClr val="000080"/>
+                </a:solidFill>
+                <a:latin typeface="Courier New" panose="02070309020205020404" pitchFamily="49" charset="0"/>
+              </a:rPr>
+              <a:t>(</a:t>
+            </a:r>
+            <a:r>
+              <a:rPr lang="fr-FR" dirty="0">
+                <a:solidFill>
+                  <a:srgbClr val="808080"/>
+                </a:solidFill>
+                <a:latin typeface="Courier New" panose="02070309020205020404" pitchFamily="49" charset="0"/>
+              </a:rPr>
+              <a:t>"</a:t>
+            </a:r>
+            <a:r>
+              <a:rPr lang="fr-FR" dirty="0" err="1">
+                <a:solidFill>
+                  <a:srgbClr val="808080"/>
+                </a:solidFill>
+                <a:latin typeface="Courier New" panose="02070309020205020404" pitchFamily="49" charset="0"/>
+              </a:rPr>
+              <a:t>lst-ib</a:t>
+            </a:r>
+            <a:r>
+              <a:rPr lang="fr-FR" dirty="0">
+                <a:solidFill>
+                  <a:srgbClr val="808080"/>
+                </a:solidFill>
+                <a:latin typeface="Courier New" panose="02070309020205020404" pitchFamily="49" charset="0"/>
+              </a:rPr>
+              <a:t>"</a:t>
+            </a:r>
+            <a:r>
+              <a:rPr lang="fr-FR" b="1" dirty="0">
+                <a:solidFill>
+                  <a:srgbClr val="000080"/>
+                </a:solidFill>
+                <a:latin typeface="Courier New" panose="02070309020205020404" pitchFamily="49" charset="0"/>
+              </a:rPr>
+              <a:t>)).</a:t>
+            </a:r>
+            <a:r>
+              <a:rPr lang="fr-FR" dirty="0" err="1">
+                <a:solidFill>
+                  <a:srgbClr val="000000"/>
+                </a:solidFill>
+                <a:latin typeface="Courier New" panose="02070309020205020404" pitchFamily="49" charset="0"/>
+              </a:rPr>
+              <a:t>SendKeys</a:t>
+            </a:r>
+            <a:r>
+              <a:rPr lang="fr-FR" b="1" dirty="0">
+                <a:solidFill>
+                  <a:srgbClr val="000080"/>
+                </a:solidFill>
+                <a:latin typeface="Courier New" panose="02070309020205020404" pitchFamily="49" charset="0"/>
+              </a:rPr>
+              <a:t>(</a:t>
+            </a:r>
+            <a:r>
+              <a:rPr lang="fr-FR" dirty="0">
+                <a:solidFill>
+                  <a:srgbClr val="808080"/>
+                </a:solidFill>
+                <a:latin typeface="Courier New" panose="02070309020205020404" pitchFamily="49" charset="0"/>
+              </a:rPr>
+              <a:t>"ynov.com"</a:t>
+            </a:r>
+            <a:r>
+              <a:rPr lang="fr-FR" b="1" dirty="0">
+                <a:solidFill>
+                  <a:srgbClr val="000080"/>
+                </a:solidFill>
+                <a:latin typeface="Courier New" panose="02070309020205020404" pitchFamily="49" charset="0"/>
+              </a:rPr>
+              <a:t>);</a:t>
+            </a:r>
+            <a:r>
+              <a:rPr lang="fr-FR" dirty="0">
+                <a:solidFill>
+                  <a:srgbClr val="000000"/>
+                </a:solidFill>
+                <a:latin typeface="Courier New" panose="02070309020205020404" pitchFamily="49" charset="0"/>
+              </a:rPr>
+              <a:t> </a:t>
+            </a:r>
+            <a:r>
+              <a:rPr lang="fr-FR" dirty="0" smtClean="0">
+                <a:solidFill>
+                  <a:srgbClr val="000000"/>
+                </a:solidFill>
+                <a:latin typeface="Courier New" panose="02070309020205020404" pitchFamily="49" charset="0"/>
+              </a:rPr>
+              <a:t>			_</a:t>
+            </a:r>
+            <a:r>
+              <a:rPr lang="fr-FR" dirty="0" err="1">
+                <a:solidFill>
+                  <a:srgbClr val="000000"/>
+                </a:solidFill>
+                <a:latin typeface="Courier New" panose="02070309020205020404" pitchFamily="49" charset="0"/>
+              </a:rPr>
+              <a:t>driverChrome</a:t>
+            </a:r>
+            <a:r>
+              <a:rPr lang="fr-FR" b="1" dirty="0" err="1">
+                <a:solidFill>
+                  <a:srgbClr val="000080"/>
+                </a:solidFill>
+                <a:latin typeface="Courier New" panose="02070309020205020404" pitchFamily="49" charset="0"/>
+              </a:rPr>
+              <a:t>.</a:t>
+            </a:r>
+            <a:r>
+              <a:rPr lang="fr-FR" dirty="0" err="1">
+                <a:solidFill>
+                  <a:srgbClr val="000000"/>
+                </a:solidFill>
+                <a:latin typeface="Courier New" panose="02070309020205020404" pitchFamily="49" charset="0"/>
+              </a:rPr>
+              <a:t>FindElement</a:t>
+            </a:r>
+            <a:r>
+              <a:rPr lang="fr-FR" b="1" dirty="0">
+                <a:solidFill>
+                  <a:srgbClr val="000080"/>
+                </a:solidFill>
+                <a:latin typeface="Courier New" panose="02070309020205020404" pitchFamily="49" charset="0"/>
+              </a:rPr>
+              <a:t>(</a:t>
+            </a:r>
+            <a:r>
+              <a:rPr lang="fr-FR" dirty="0" err="1">
+                <a:solidFill>
+                  <a:srgbClr val="000000"/>
+                </a:solidFill>
+                <a:latin typeface="Courier New" panose="02070309020205020404" pitchFamily="49" charset="0"/>
+              </a:rPr>
+              <a:t>By</a:t>
+            </a:r>
+            <a:r>
+              <a:rPr lang="fr-FR" b="1" dirty="0" err="1">
+                <a:solidFill>
+                  <a:srgbClr val="000080"/>
+                </a:solidFill>
+                <a:latin typeface="Courier New" panose="02070309020205020404" pitchFamily="49" charset="0"/>
+              </a:rPr>
+              <a:t>.</a:t>
+            </a:r>
+            <a:r>
+              <a:rPr lang="fr-FR" dirty="0" err="1">
+                <a:solidFill>
+                  <a:srgbClr val="000000"/>
+                </a:solidFill>
+                <a:latin typeface="Courier New" panose="02070309020205020404" pitchFamily="49" charset="0"/>
+              </a:rPr>
+              <a:t>Id</a:t>
+            </a:r>
+            <a:r>
+              <a:rPr lang="fr-FR" b="1" dirty="0">
+                <a:solidFill>
+                  <a:srgbClr val="000080"/>
+                </a:solidFill>
+                <a:latin typeface="Courier New" panose="02070309020205020404" pitchFamily="49" charset="0"/>
+              </a:rPr>
+              <a:t>(</a:t>
+            </a:r>
+            <a:r>
+              <a:rPr lang="fr-FR" dirty="0">
+                <a:solidFill>
+                  <a:srgbClr val="808080"/>
+                </a:solidFill>
+                <a:latin typeface="Courier New" panose="02070309020205020404" pitchFamily="49" charset="0"/>
+              </a:rPr>
+              <a:t>"</a:t>
+            </a:r>
+            <a:r>
+              <a:rPr lang="fr-FR" dirty="0" err="1">
+                <a:solidFill>
+                  <a:srgbClr val="808080"/>
+                </a:solidFill>
+                <a:latin typeface="Courier New" panose="02070309020205020404" pitchFamily="49" charset="0"/>
+              </a:rPr>
+              <a:t>lst-ib</a:t>
+            </a:r>
+            <a:r>
+              <a:rPr lang="fr-FR" dirty="0">
+                <a:solidFill>
+                  <a:srgbClr val="808080"/>
+                </a:solidFill>
+                <a:latin typeface="Courier New" panose="02070309020205020404" pitchFamily="49" charset="0"/>
+              </a:rPr>
+              <a:t>"</a:t>
+            </a:r>
+            <a:r>
+              <a:rPr lang="fr-FR" b="1" dirty="0">
+                <a:solidFill>
+                  <a:srgbClr val="000080"/>
+                </a:solidFill>
+                <a:latin typeface="Courier New" panose="02070309020205020404" pitchFamily="49" charset="0"/>
+              </a:rPr>
+              <a:t>)).</a:t>
+            </a:r>
+            <a:r>
+              <a:rPr lang="fr-FR" dirty="0" err="1">
+                <a:solidFill>
+                  <a:srgbClr val="000000"/>
+                </a:solidFill>
+                <a:latin typeface="Courier New" panose="02070309020205020404" pitchFamily="49" charset="0"/>
+              </a:rPr>
+              <a:t>SendKeys</a:t>
+            </a:r>
+            <a:r>
+              <a:rPr lang="fr-FR" b="1" dirty="0">
+                <a:solidFill>
+                  <a:srgbClr val="000080"/>
+                </a:solidFill>
+                <a:latin typeface="Courier New" panose="02070309020205020404" pitchFamily="49" charset="0"/>
+              </a:rPr>
+              <a:t>(</a:t>
+            </a:r>
+            <a:r>
+              <a:rPr lang="fr-FR" dirty="0" err="1">
+                <a:solidFill>
+                  <a:srgbClr val="000000"/>
+                </a:solidFill>
+                <a:latin typeface="Courier New" panose="02070309020205020404" pitchFamily="49" charset="0"/>
+              </a:rPr>
+              <a:t>Keys</a:t>
+            </a:r>
+            <a:r>
+              <a:rPr lang="fr-FR" b="1" dirty="0" err="1">
+                <a:solidFill>
+                  <a:srgbClr val="000080"/>
+                </a:solidFill>
+                <a:latin typeface="Courier New" panose="02070309020205020404" pitchFamily="49" charset="0"/>
+              </a:rPr>
+              <a:t>.</a:t>
+            </a:r>
+            <a:r>
+              <a:rPr lang="fr-FR" dirty="0" err="1">
+                <a:solidFill>
+                  <a:srgbClr val="000000"/>
+                </a:solidFill>
+                <a:latin typeface="Courier New" panose="02070309020205020404" pitchFamily="49" charset="0"/>
+              </a:rPr>
+              <a:t>Enter</a:t>
+            </a:r>
+            <a:r>
+              <a:rPr lang="fr-FR" b="1" dirty="0">
+                <a:solidFill>
+                  <a:srgbClr val="000080"/>
+                </a:solidFill>
+                <a:latin typeface="Courier New" panose="02070309020205020404" pitchFamily="49" charset="0"/>
+              </a:rPr>
+              <a:t>);</a:t>
+            </a:r>
+            <a:r>
+              <a:rPr lang="fr-FR" dirty="0">
+                <a:solidFill>
+                  <a:srgbClr val="000000"/>
+                </a:solidFill>
+                <a:latin typeface="Courier New" panose="02070309020205020404" pitchFamily="49" charset="0"/>
+              </a:rPr>
+              <a:t> </a:t>
+            </a:r>
+            <a:endParaRPr lang="fr-FR" dirty="0" smtClean="0">
+              <a:solidFill>
+                <a:srgbClr val="000000"/>
+              </a:solidFill>
+              <a:latin typeface="Courier New" panose="02070309020205020404" pitchFamily="49" charset="0"/>
+            </a:endParaRPr>
+          </a:p>
+          <a:p>
+            <a:r>
+              <a:rPr lang="fr-FR" b="1" dirty="0">
+                <a:solidFill>
+                  <a:srgbClr val="000000"/>
+                </a:solidFill>
+                <a:latin typeface="Courier New" panose="02070309020205020404" pitchFamily="49" charset="0"/>
+              </a:rPr>
+              <a:t>	</a:t>
+            </a:r>
+            <a:r>
+              <a:rPr lang="fr-FR" b="1" dirty="0" smtClean="0">
+                <a:solidFill>
+                  <a:srgbClr val="000080"/>
+                </a:solidFill>
+                <a:latin typeface="Courier New" panose="02070309020205020404" pitchFamily="49" charset="0"/>
+              </a:rPr>
+              <a:t>}</a:t>
+            </a:r>
+            <a:r>
+              <a:rPr lang="fr-FR" dirty="0" smtClean="0">
+                <a:solidFill>
+                  <a:srgbClr val="000000"/>
+                </a:solidFill>
+                <a:latin typeface="Courier New" panose="02070309020205020404" pitchFamily="49" charset="0"/>
+              </a:rPr>
+              <a:t> </a:t>
+            </a:r>
+          </a:p>
+          <a:p>
+            <a:r>
+              <a:rPr lang="fr-FR" b="1" dirty="0" smtClean="0">
+                <a:solidFill>
+                  <a:srgbClr val="000080"/>
+                </a:solidFill>
+                <a:latin typeface="Courier New" panose="02070309020205020404" pitchFamily="49" charset="0"/>
+              </a:rPr>
+              <a:t>}</a:t>
+            </a:r>
+            <a:endParaRPr lang="fr-FR" dirty="0">
+              <a:solidFill>
+                <a:srgbClr val="000000"/>
+              </a:solidFill>
+              <a:effectLst/>
+              <a:latin typeface="Courier New" panose="02070309020205020404" pitchFamily="49" charset="0"/>
+            </a:endParaRPr>
+          </a:p>
+        </p:txBody>
+      </p:sp>
+      <p:sp>
+        <p:nvSpPr>
+          <p:cNvPr id="5" name="ZoneTexte 4"/>
+          <p:cNvSpPr txBox="1"/>
+          <p:nvPr/>
+        </p:nvSpPr>
+        <p:spPr>
+          <a:xfrm>
+            <a:off x="4786184" y="5815914"/>
+            <a:ext cx="2405402" cy="584775"/>
+          </a:xfrm>
+          <a:prstGeom prst="rect">
+            <a:avLst/>
+          </a:prstGeom>
+          <a:noFill/>
+        </p:spPr>
+        <p:txBody>
+          <a:bodyPr wrap="none" rtlCol="0">
+            <a:spAutoFit/>
+          </a:bodyPr>
+          <a:lstStyle/>
+          <a:p>
+            <a:r>
+              <a:rPr lang="fr-FR" sz="3200" dirty="0" smtClean="0"/>
+              <a:t>Lancer le test</a:t>
+            </a:r>
+            <a:endParaRPr lang="fr-FR" sz="3200" dirty="0"/>
+          </a:p>
+        </p:txBody>
+      </p:sp>
+    </p:spTree>
+    <p:extLst>
+      <p:ext uri="{BB962C8B-B14F-4D97-AF65-F5344CB8AC3E}">
+        <p14:creationId xmlns:p14="http://schemas.microsoft.com/office/powerpoint/2010/main" val="2896217961"/>
+      </p:ext>
+    </p:extLst>
+  </p:cSld>
+  <p:clrMapOvr>
+    <a:masterClrMapping/>
+  </p:clrMapOvr>
+</p:sld>
+</file>
+
+<file path=ppt/slides/slide53.xml><?xml version="1.0" encoding="utf-8"?>
+<p:sld xmlns:a="http://schemas.openxmlformats.org/drawingml/2006/main" xmlns:r="http://schemas.openxmlformats.org/officeDocument/2006/relationships" xmlns:p="http://schemas.openxmlformats.org/presentationml/2006/main">
+  <p:cSld>
+    <p:spTree>
+      <p:nvGrpSpPr>
+        <p:cNvPr id="1" name=""/>
+        <p:cNvGrpSpPr/>
+        <p:nvPr/>
+      </p:nvGrpSpPr>
+      <p:grpSpPr>
+        <a:xfrm>
+          <a:off x="0" y="0"/>
+          <a:ext cx="0" cy="0"/>
+          <a:chOff x="0" y="0"/>
+          <a:chExt cx="0" cy="0"/>
+        </a:xfrm>
+      </p:grpSpPr>
+      <p:sp>
+        <p:nvSpPr>
+          <p:cNvPr id="2" name="Titre 1"/>
+          <p:cNvSpPr>
+            <a:spLocks noGrp="1"/>
+          </p:cNvSpPr>
+          <p:nvPr>
+            <p:ph type="title"/>
+          </p:nvPr>
+        </p:nvSpPr>
+        <p:spPr/>
+        <p:txBody>
+          <a:bodyPr/>
+          <a:lstStyle/>
+          <a:p>
+            <a:r>
+              <a:rPr lang="fr-FR" dirty="0" err="1" smtClean="0"/>
+              <a:t>Enjoy</a:t>
+            </a:r>
+            <a:endParaRPr lang="fr-FR" dirty="0"/>
+          </a:p>
+        </p:txBody>
+      </p:sp>
+      <p:pic>
+        <p:nvPicPr>
+          <p:cNvPr id="4" name="Espace réservé du contenu 3"/>
+          <p:cNvPicPr>
+            <a:picLocks noGrp="1" noChangeAspect="1"/>
+          </p:cNvPicPr>
+          <p:nvPr>
+            <p:ph idx="1"/>
+          </p:nvPr>
+        </p:nvPicPr>
+        <p:blipFill>
+          <a:blip r:embed="rId2">
+            <a:extLst>
+              <a:ext uri="{28A0092B-C50C-407E-A947-70E740481C1C}">
+                <a14:useLocalDpi xmlns:a14="http://schemas.microsoft.com/office/drawing/2010/main" val="0"/>
+              </a:ext>
+            </a:extLst>
+          </a:blip>
+          <a:stretch>
+            <a:fillRect/>
+          </a:stretch>
+        </p:blipFill>
+        <p:spPr>
+          <a:xfrm>
+            <a:off x="3046963" y="1825625"/>
+            <a:ext cx="6098074" cy="4351338"/>
+          </a:xfrm>
+        </p:spPr>
+      </p:pic>
+    </p:spTree>
+    <p:extLst>
+      <p:ext uri="{BB962C8B-B14F-4D97-AF65-F5344CB8AC3E}">
+        <p14:creationId xmlns:p14="http://schemas.microsoft.com/office/powerpoint/2010/main" val="2546555828"/>
+      </p:ext>
+    </p:extLst>
+  </p:cSld>
+  <p:clrMapOvr>
+    <a:masterClrMapping/>
+  </p:clrMapOvr>
+</p:sld>
+</file>
+
+<file path=ppt/slides/slide54.xml><?xml version="1.0" encoding="utf-8"?>
+<p:sld xmlns:a="http://schemas.openxmlformats.org/drawingml/2006/main" xmlns:r="http://schemas.openxmlformats.org/officeDocument/2006/relationships" xmlns:p="http://schemas.openxmlformats.org/presentationml/2006/main">
+  <p:cSld>
+    <p:spTree>
+      <p:nvGrpSpPr>
+        <p:cNvPr id="1" name=""/>
+        <p:cNvGrpSpPr/>
+        <p:nvPr/>
+      </p:nvGrpSpPr>
+      <p:grpSpPr>
+        <a:xfrm>
+          <a:off x="0" y="0"/>
+          <a:ext cx="0" cy="0"/>
+          <a:chOff x="0" y="0"/>
+          <a:chExt cx="0" cy="0"/>
+        </a:xfrm>
+      </p:grpSpPr>
+      <p:sp>
+        <p:nvSpPr>
+          <p:cNvPr id="2" name="Titre 1"/>
+          <p:cNvSpPr>
+            <a:spLocks noGrp="1"/>
+          </p:cNvSpPr>
+          <p:nvPr>
+            <p:ph type="title"/>
+          </p:nvPr>
+        </p:nvSpPr>
+        <p:spPr/>
+        <p:txBody>
+          <a:bodyPr/>
+          <a:lstStyle/>
+          <a:p>
+            <a:r>
+              <a:rPr lang="fr-FR" dirty="0" smtClean="0"/>
+              <a:t>On garde contact ? </a:t>
+            </a:r>
+            <a:endParaRPr lang="fr-FR" dirty="0"/>
+          </a:p>
+        </p:txBody>
+      </p:sp>
+      <p:sp>
+        <p:nvSpPr>
+          <p:cNvPr id="3" name="Espace réservé du contenu 2"/>
+          <p:cNvSpPr>
+            <a:spLocks noGrp="1"/>
+          </p:cNvSpPr>
+          <p:nvPr>
+            <p:ph idx="1"/>
+          </p:nvPr>
+        </p:nvSpPr>
+        <p:spPr>
+          <a:xfrm>
+            <a:off x="1633659" y="2221588"/>
+            <a:ext cx="4462340" cy="424671"/>
+          </a:xfrm>
+        </p:spPr>
+        <p:txBody>
+          <a:bodyPr>
+            <a:noAutofit/>
+          </a:bodyPr>
+          <a:lstStyle/>
+          <a:p>
+            <a:pPr marL="0" indent="0">
+              <a:buNone/>
+            </a:pPr>
+            <a:r>
+              <a:rPr lang="fr-FR" dirty="0" smtClean="0"/>
+              <a:t>quentin.jaillet@ynov.com</a:t>
+            </a:r>
+          </a:p>
+          <a:p>
+            <a:pPr marL="0" indent="0">
+              <a:buNone/>
+            </a:pPr>
+            <a:endParaRPr lang="fr-FR" dirty="0" smtClean="0"/>
+          </a:p>
+          <a:p>
+            <a:pPr marL="0" indent="0">
+              <a:buNone/>
+            </a:pPr>
+            <a:endParaRPr lang="fr-FR" dirty="0"/>
+          </a:p>
+        </p:txBody>
+      </p:sp>
+      <p:pic>
+        <p:nvPicPr>
+          <p:cNvPr id="1026" name="Picture 2" descr="Résultat de recherche d'images pour &quot;american psycho&quot;"/>
+          <p:cNvPicPr>
+            <a:picLocks noChangeAspect="1" noChangeArrowheads="1"/>
+          </p:cNvPicPr>
+          <p:nvPr/>
+        </p:nvPicPr>
+        <p:blipFill rotWithShape="1">
+          <a:blip r:embed="rId2">
+            <a:extLst>
+              <a:ext uri="{28A0092B-C50C-407E-A947-70E740481C1C}">
+                <a14:useLocalDpi xmlns:a14="http://schemas.microsoft.com/office/drawing/2010/main" val="0"/>
+              </a:ext>
+            </a:extLst>
+          </a:blip>
+          <a:srcRect l="16792" r="17554"/>
+          <a:stretch/>
+        </p:blipFill>
+        <p:spPr bwMode="auto">
+          <a:xfrm>
+            <a:off x="6551141" y="1825625"/>
+            <a:ext cx="4802659" cy="3657600"/>
+          </a:xfrm>
+          <a:prstGeom prst="rect">
+            <a:avLst/>
+          </a:prstGeom>
+          <a:noFill/>
+          <a:extLst>
+            <a:ext uri="{909E8E84-426E-40DD-AFC4-6F175D3DCCD1}">
+              <a14:hiddenFill xmlns:a14="http://schemas.microsoft.com/office/drawing/2010/main">
+                <a:solidFill>
+                  <a:srgbClr val="FFFFFF"/>
+                </a:solidFill>
+              </a14:hiddenFill>
+            </a:ext>
+          </a:extLst>
+        </p:spPr>
+      </p:pic>
+      <p:pic>
+        <p:nvPicPr>
+          <p:cNvPr id="1028" name="Picture 4" descr="Résultat de recherche d'images pour &quot;mail&quot;"/>
+          <p:cNvPicPr>
+            <a:picLocks noChangeAspect="1" noChangeArrowheads="1"/>
+          </p:cNvPicPr>
+          <p:nvPr/>
+        </p:nvPicPr>
+        <p:blipFill>
+          <a:blip r:embed="rId3" cstate="print">
+            <a:extLst>
+              <a:ext uri="{28A0092B-C50C-407E-A947-70E740481C1C}">
+                <a14:useLocalDpi xmlns:a14="http://schemas.microsoft.com/office/drawing/2010/main" val="0"/>
+              </a:ext>
+            </a:extLst>
+          </a:blip>
+          <a:srcRect/>
+          <a:stretch>
+            <a:fillRect/>
+          </a:stretch>
+        </p:blipFill>
+        <p:spPr bwMode="auto">
+          <a:xfrm>
+            <a:off x="788694" y="2096108"/>
+            <a:ext cx="675632" cy="675632"/>
+          </a:xfrm>
+          <a:prstGeom prst="rect">
+            <a:avLst/>
+          </a:prstGeom>
+          <a:noFill/>
+          <a:extLst>
+            <a:ext uri="{909E8E84-426E-40DD-AFC4-6F175D3DCCD1}">
+              <a14:hiddenFill xmlns:a14="http://schemas.microsoft.com/office/drawing/2010/main">
+                <a:solidFill>
+                  <a:srgbClr val="FFFFFF"/>
+                </a:solidFill>
+              </a14:hiddenFill>
+            </a:ext>
+          </a:extLst>
+        </p:spPr>
+      </p:pic>
+      <p:sp>
+        <p:nvSpPr>
+          <p:cNvPr id="5" name="Rectangle 4"/>
+          <p:cNvSpPr/>
+          <p:nvPr/>
+        </p:nvSpPr>
+        <p:spPr>
+          <a:xfrm>
+            <a:off x="1633659" y="3397484"/>
+            <a:ext cx="4305822" cy="523220"/>
+          </a:xfrm>
+          <a:prstGeom prst="rect">
+            <a:avLst/>
+          </a:prstGeom>
+        </p:spPr>
+        <p:txBody>
+          <a:bodyPr wrap="square">
+            <a:spAutoFit/>
+          </a:bodyPr>
+          <a:lstStyle/>
+          <a:p>
+            <a:r>
+              <a:rPr lang="fr-FR" sz="2800" dirty="0"/>
+              <a:t>quentin.jaillet@gmail.com</a:t>
+            </a:r>
+            <a:endParaRPr lang="fr-FR" sz="2400" dirty="0"/>
+          </a:p>
+        </p:txBody>
+      </p:sp>
+      <p:pic>
+        <p:nvPicPr>
+          <p:cNvPr id="8" name="Picture 4" descr="Résultat de recherche d'images pour &quot;mail&quot;"/>
+          <p:cNvPicPr>
+            <a:picLocks noChangeAspect="1" noChangeArrowheads="1"/>
+          </p:cNvPicPr>
+          <p:nvPr/>
+        </p:nvPicPr>
+        <p:blipFill>
+          <a:blip r:embed="rId3" cstate="print">
+            <a:extLst>
+              <a:ext uri="{28A0092B-C50C-407E-A947-70E740481C1C}">
+                <a14:useLocalDpi xmlns:a14="http://schemas.microsoft.com/office/drawing/2010/main" val="0"/>
+              </a:ext>
+            </a:extLst>
+          </a:blip>
+          <a:srcRect/>
+          <a:stretch>
+            <a:fillRect/>
+          </a:stretch>
+        </p:blipFill>
+        <p:spPr bwMode="auto">
+          <a:xfrm>
+            <a:off x="783610" y="3244334"/>
+            <a:ext cx="675632" cy="675632"/>
+          </a:xfrm>
+          <a:prstGeom prst="rect">
+            <a:avLst/>
+          </a:prstGeom>
+          <a:noFill/>
+          <a:extLst>
+            <a:ext uri="{909E8E84-426E-40DD-AFC4-6F175D3DCCD1}">
+              <a14:hiddenFill xmlns:a14="http://schemas.microsoft.com/office/drawing/2010/main">
+                <a:solidFill>
+                  <a:srgbClr val="FFFFFF"/>
+                </a:solidFill>
+              </a14:hiddenFill>
+            </a:ext>
+          </a:extLst>
+        </p:spPr>
+      </p:pic>
+      <p:sp>
+        <p:nvSpPr>
+          <p:cNvPr id="6" name="Rectangle 5"/>
+          <p:cNvSpPr/>
+          <p:nvPr/>
+        </p:nvSpPr>
+        <p:spPr>
+          <a:xfrm>
+            <a:off x="775440" y="4671191"/>
+            <a:ext cx="5320559" cy="369332"/>
+          </a:xfrm>
+          <a:prstGeom prst="rect">
+            <a:avLst/>
+          </a:prstGeom>
+        </p:spPr>
+        <p:txBody>
+          <a:bodyPr wrap="none">
+            <a:spAutoFit/>
+          </a:bodyPr>
+          <a:lstStyle/>
+          <a:p>
+            <a:r>
+              <a:rPr lang="fr-FR" dirty="0"/>
+              <a:t>https://www.linkedin.com/in/quentin-jaillet-06318362</a:t>
+            </a:r>
+          </a:p>
+        </p:txBody>
+      </p:sp>
+    </p:spTree>
+    <p:extLst>
+      <p:ext uri="{BB962C8B-B14F-4D97-AF65-F5344CB8AC3E}">
+        <p14:creationId xmlns:p14="http://schemas.microsoft.com/office/powerpoint/2010/main" val="2119228728"/>
       </p:ext>
     </p:extLst>
   </p:cSld>
